--- a/slides/4_StreamingAnalytics.pptx
+++ b/slides/4_StreamingAnalytics.pptx
@@ -218,7 +218,7 @@
           <a:p>
             <a:fld id="{2F3ABF1A-8818-4472-8518-E71DC7B5D2F7}" type="datetimeFigureOut">
               <a:rPr lang="en-US" smtClean="0"/>
-              <a:t>6/6/2021</a:t>
+              <a:t>6/10/2021</a:t>
             </a:fld>
             <a:endParaRPr lang="en-US"/>
           </a:p>
@@ -632,7 +632,7 @@
           <a:p>
             <a:fld id="{6E4A31BF-7266-4BEB-918B-ADC21C630A6F}" type="datetimeFigureOut">
               <a:rPr lang="en-US" smtClean="0"/>
-              <a:t>6/6/2021</a:t>
+              <a:t>6/10/2021</a:t>
             </a:fld>
             <a:endParaRPr lang="en-US"/>
           </a:p>
@@ -830,7 +830,7 @@
           <a:p>
             <a:fld id="{6E4A31BF-7266-4BEB-918B-ADC21C630A6F}" type="datetimeFigureOut">
               <a:rPr lang="en-US" smtClean="0"/>
-              <a:t>6/6/2021</a:t>
+              <a:t>6/10/2021</a:t>
             </a:fld>
             <a:endParaRPr lang="en-US"/>
           </a:p>
@@ -1038,7 +1038,7 @@
           <a:p>
             <a:fld id="{6E4A31BF-7266-4BEB-918B-ADC21C630A6F}" type="datetimeFigureOut">
               <a:rPr lang="en-US" smtClean="0"/>
-              <a:t>6/6/2021</a:t>
+              <a:t>6/10/2021</a:t>
             </a:fld>
             <a:endParaRPr lang="en-US"/>
           </a:p>
@@ -1236,7 +1236,7 @@
           <a:p>
             <a:fld id="{6E4A31BF-7266-4BEB-918B-ADC21C630A6F}" type="datetimeFigureOut">
               <a:rPr lang="en-US" smtClean="0"/>
-              <a:t>6/6/2021</a:t>
+              <a:t>6/10/2021</a:t>
             </a:fld>
             <a:endParaRPr lang="en-US"/>
           </a:p>
@@ -1511,7 +1511,7 @@
           <a:p>
             <a:fld id="{6E4A31BF-7266-4BEB-918B-ADC21C630A6F}" type="datetimeFigureOut">
               <a:rPr lang="en-US" smtClean="0"/>
-              <a:t>6/6/2021</a:t>
+              <a:t>6/10/2021</a:t>
             </a:fld>
             <a:endParaRPr lang="en-US"/>
           </a:p>
@@ -1776,7 +1776,7 @@
           <a:p>
             <a:fld id="{6E4A31BF-7266-4BEB-918B-ADC21C630A6F}" type="datetimeFigureOut">
               <a:rPr lang="en-US" smtClean="0"/>
-              <a:t>6/6/2021</a:t>
+              <a:t>6/10/2021</a:t>
             </a:fld>
             <a:endParaRPr lang="en-US"/>
           </a:p>
@@ -2188,7 +2188,7 @@
           <a:p>
             <a:fld id="{6E4A31BF-7266-4BEB-918B-ADC21C630A6F}" type="datetimeFigureOut">
               <a:rPr lang="en-US" smtClean="0"/>
-              <a:t>6/6/2021</a:t>
+              <a:t>6/10/2021</a:t>
             </a:fld>
             <a:endParaRPr lang="en-US"/>
           </a:p>
@@ -2329,7 +2329,7 @@
           <a:p>
             <a:fld id="{6E4A31BF-7266-4BEB-918B-ADC21C630A6F}" type="datetimeFigureOut">
               <a:rPr lang="en-US" smtClean="0"/>
-              <a:t>6/6/2021</a:t>
+              <a:t>6/10/2021</a:t>
             </a:fld>
             <a:endParaRPr lang="en-US"/>
           </a:p>
@@ -2442,7 +2442,7 @@
           <a:p>
             <a:fld id="{6E4A31BF-7266-4BEB-918B-ADC21C630A6F}" type="datetimeFigureOut">
               <a:rPr lang="en-US" smtClean="0"/>
-              <a:t>6/6/2021</a:t>
+              <a:t>6/10/2021</a:t>
             </a:fld>
             <a:endParaRPr lang="en-US"/>
           </a:p>
@@ -2753,7 +2753,7 @@
           <a:p>
             <a:fld id="{6E4A31BF-7266-4BEB-918B-ADC21C630A6F}" type="datetimeFigureOut">
               <a:rPr lang="en-US" smtClean="0"/>
-              <a:t>6/6/2021</a:t>
+              <a:t>6/10/2021</a:t>
             </a:fld>
             <a:endParaRPr lang="en-US"/>
           </a:p>
@@ -3041,7 +3041,7 @@
           <a:p>
             <a:fld id="{6E4A31BF-7266-4BEB-918B-ADC21C630A6F}" type="datetimeFigureOut">
               <a:rPr lang="en-US" smtClean="0"/>
-              <a:t>6/6/2021</a:t>
+              <a:t>6/10/2021</a:t>
             </a:fld>
             <a:endParaRPr lang="en-US"/>
           </a:p>
@@ -3282,7 +3282,7 @@
           <a:p>
             <a:fld id="{6E4A31BF-7266-4BEB-918B-ADC21C630A6F}" type="datetimeFigureOut">
               <a:rPr lang="en-US" smtClean="0"/>
-              <a:t>6/6/2021</a:t>
+              <a:t>6/10/2021</a:t>
             </a:fld>
             <a:endParaRPr lang="en-US"/>
           </a:p>
@@ -3841,6 +3841,46 @@
           </a:extLst>
         </p:spPr>
       </p:pic>
+      <p:sp>
+        <p:nvSpPr>
+          <p:cNvPr id="5" name="TextBox 4">
+            <a:extLst>
+              <a:ext uri="{FF2B5EF4-FFF2-40B4-BE49-F238E27FC236}">
+                <a16:creationId xmlns:a16="http://schemas.microsoft.com/office/drawing/2014/main" id="{6AE6CDF6-26FF-4F68-942A-A7BA23A117D6}"/>
+              </a:ext>
+            </a:extLst>
+          </p:cNvPr>
+          <p:cNvSpPr txBox="1"/>
+          <p:nvPr/>
+        </p:nvSpPr>
+        <p:spPr>
+          <a:xfrm>
+            <a:off x="3348567" y="6421967"/>
+            <a:ext cx="5744633" cy="369332"/>
+          </a:xfrm>
+          <a:prstGeom prst="rect">
+            <a:avLst/>
+          </a:prstGeom>
+          <a:noFill/>
+        </p:spPr>
+        <p:txBody>
+          <a:bodyPr wrap="square" rtlCol="0">
+            <a:spAutoFit/>
+          </a:bodyPr>
+          <a:lstStyle/>
+          <a:p>
+            <a:pPr algn="ctr"/>
+            <a:r>
+              <a:rPr lang="en-US" sz="1100" dirty="0"/>
+              <a:t>Copyright 2021, Stephen F Elston. All rights reserved</a:t>
+            </a:r>
+            <a:r>
+              <a:rPr lang="en-US" dirty="0"/>
+              <a:t>.</a:t>
+            </a:r>
+          </a:p>
+        </p:txBody>
+      </p:sp>
     </p:spTree>
     <p:extLst>
       <p:ext uri="{BB962C8B-B14F-4D97-AF65-F5344CB8AC3E}">

--- a/slides/4_StreamingAnalytics.pptx
+++ b/slides/4_StreamingAnalytics.pptx
@@ -5,7 +5,7 @@
     <p:sldMasterId id="2147483648" r:id="rId1"/>
   </p:sldMasterIdLst>
   <p:notesMasterIdLst>
-    <p:notesMasterId r:id="rId24"/>
+    <p:notesMasterId r:id="rId25"/>
   </p:notesMasterIdLst>
   <p:sldIdLst>
     <p:sldId id="256" r:id="rId2"/>
@@ -20,16 +20,17 @@
     <p:sldId id="266" r:id="rId11"/>
     <p:sldId id="262" r:id="rId12"/>
     <p:sldId id="269" r:id="rId13"/>
-    <p:sldId id="267" r:id="rId14"/>
-    <p:sldId id="268" r:id="rId15"/>
-    <p:sldId id="272" r:id="rId16"/>
-    <p:sldId id="271" r:id="rId17"/>
-    <p:sldId id="273" r:id="rId18"/>
-    <p:sldId id="274" r:id="rId19"/>
-    <p:sldId id="275" r:id="rId20"/>
-    <p:sldId id="276" r:id="rId21"/>
-    <p:sldId id="277" r:id="rId22"/>
-    <p:sldId id="264" r:id="rId23"/>
+    <p:sldId id="278" r:id="rId14"/>
+    <p:sldId id="267" r:id="rId15"/>
+    <p:sldId id="268" r:id="rId16"/>
+    <p:sldId id="272" r:id="rId17"/>
+    <p:sldId id="271" r:id="rId18"/>
+    <p:sldId id="273" r:id="rId19"/>
+    <p:sldId id="274" r:id="rId20"/>
+    <p:sldId id="275" r:id="rId21"/>
+    <p:sldId id="276" r:id="rId22"/>
+    <p:sldId id="277" r:id="rId23"/>
+    <p:sldId id="264" r:id="rId24"/>
   </p:sldIdLst>
   <p:sldSz cx="12192000" cy="6858000"/>
   <p:notesSz cx="6858000" cy="9144000"/>
@@ -5934,209 +5935,115 @@
           <a:chExt cx="0" cy="0"/>
         </a:xfrm>
       </p:grpSpPr>
-      <mc:AlternateContent xmlns:mc="http://schemas.openxmlformats.org/markup-compatibility/2006" xmlns:a14="http://schemas.microsoft.com/office/drawing/2010/main">
-        <mc:Choice Requires="a14">
-          <p:sp>
-            <p:nvSpPr>
-              <p:cNvPr id="3" name="Content Placeholder 2">
-                <a:extLst>
-                  <a:ext uri="{FF2B5EF4-FFF2-40B4-BE49-F238E27FC236}">
-                    <a16:creationId xmlns:a16="http://schemas.microsoft.com/office/drawing/2014/main" id="{258E6AF3-7615-4BD1-878E-A94C93E98F90}"/>
-                  </a:ext>
-                </a:extLst>
-              </p:cNvPr>
-              <p:cNvSpPr>
-                <a:spLocks noGrp="1"/>
-              </p:cNvSpPr>
-              <p:nvPr>
-                <p:ph idx="1"/>
-              </p:nvPr>
-            </p:nvSpPr>
-            <p:spPr>
-              <a:xfrm>
-                <a:off x="784412" y="1234699"/>
-                <a:ext cx="10515600" cy="5501898"/>
-              </a:xfrm>
-            </p:spPr>
-            <p:txBody>
-              <a:bodyPr>
-                <a:normAutofit/>
-              </a:bodyPr>
-              <a:lstStyle/>
-              <a:p>
-                <a:pPr marL="0" indent="0">
-                  <a:buNone/>
-                </a:pPr>
-                <a:r>
-                  <a:rPr lang="en-US" sz="3200" dirty="0"/>
-                  <a:t>Compute and store summary statistics from moving window</a:t>
-                </a:r>
-                <a:endParaRPr lang="en-US" sz="3200" b="1" dirty="0"/>
-              </a:p>
-              <a:p>
-                <a:r>
-                  <a:rPr lang="en-US" dirty="0"/>
-                  <a:t>Window sampling acts as a </a:t>
-                </a:r>
-                <a:r>
-                  <a:rPr lang="en-US" b="1" dirty="0"/>
-                  <a:t>low-pass filter</a:t>
-                </a:r>
-              </a:p>
-              <a:p>
-                <a:pPr lvl="1"/>
-                <a:r>
-                  <a:rPr lang="en-US" dirty="0"/>
-                  <a:t>High frequencies are filtered   </a:t>
-                </a:r>
-              </a:p>
-              <a:p>
-                <a:pPr lvl="1"/>
-                <a:r>
-                  <a:rPr lang="en-US" dirty="0"/>
-                  <a:t>Low frequencies and trend retained</a:t>
-                </a:r>
-              </a:p>
-              <a:p>
-                <a:r>
-                  <a:rPr lang="en-US" dirty="0"/>
-                  <a:t>Length of window determines bandwidth </a:t>
-                </a:r>
-              </a:p>
-              <a:p>
-                <a:pPr lvl="1"/>
-                <a:r>
-                  <a:rPr lang="en-US" dirty="0"/>
-                  <a:t>Longer window </a:t>
-                </a:r>
-                <a14:m>
-                  <m:oMath xmlns:m="http://schemas.openxmlformats.org/officeDocument/2006/math">
-                    <m:r>
-                      <a:rPr lang="en-US" i="1" smtClean="0">
-                        <a:latin typeface="Cambria Math" panose="02040503050406030204" pitchFamily="18" charset="0"/>
-                        <a:ea typeface="Cambria Math" panose="02040503050406030204" pitchFamily="18" charset="0"/>
-                      </a:rPr>
-                      <m:t>⟹</m:t>
-                    </m:r>
-                  </m:oMath>
-                </a14:m>
-                <a:r>
-                  <a:rPr lang="en-US" dirty="0"/>
-                  <a:t> only pass lower frequencies   </a:t>
-                </a:r>
-              </a:p>
-              <a:p>
-                <a:pPr lvl="1"/>
-                <a:r>
-                  <a:rPr lang="en-US" dirty="0"/>
-                  <a:t>Shorter window </a:t>
-                </a:r>
-                <a14:m>
-                  <m:oMath xmlns:m="http://schemas.openxmlformats.org/officeDocument/2006/math">
-                    <m:r>
-                      <a:rPr lang="en-US" i="1">
-                        <a:latin typeface="Cambria Math" panose="02040503050406030204" pitchFamily="18" charset="0"/>
-                        <a:ea typeface="Cambria Math" panose="02040503050406030204" pitchFamily="18" charset="0"/>
-                      </a:rPr>
-                      <m:t>⟹</m:t>
-                    </m:r>
-                  </m:oMath>
-                </a14:m>
-                <a:r>
-                  <a:rPr lang="en-US" dirty="0"/>
-                  <a:t> pass higher frequencies </a:t>
-                </a:r>
-              </a:p>
-              <a:p>
-                <a:pPr lvl="1"/>
-                <a:r>
-                  <a:rPr lang="en-US" dirty="0"/>
-                  <a:t>Can analyze bandwidth with </a:t>
-                </a:r>
-                <a:r>
-                  <a:rPr lang="en-US" b="1" dirty="0"/>
-                  <a:t>impulse response </a:t>
-                </a:r>
-                <a:r>
-                  <a:rPr lang="en-US" dirty="0"/>
-                  <a:t>methods – beyond the scope of this course</a:t>
-                </a:r>
-              </a:p>
-              <a:p>
-                <a:r>
-                  <a:rPr lang="en-US" dirty="0"/>
-                  <a:t>Window choice is critical </a:t>
-                </a:r>
-              </a:p>
-              <a:p>
-                <a:pPr lvl="1"/>
-                <a:r>
-                  <a:rPr lang="en-US" dirty="0"/>
-                  <a:t>Short enough to pass important changes in signals – sufficient bandwidth</a:t>
-                </a:r>
-              </a:p>
-              <a:p>
-                <a:pPr lvl="1"/>
-                <a:r>
-                  <a:rPr lang="en-US" dirty="0"/>
-                  <a:t>Long enough to compress data </a:t>
-                </a:r>
-              </a:p>
-              <a:p>
-                <a:pPr lvl="1"/>
-                <a:endParaRPr lang="en-US" dirty="0"/>
-              </a:p>
-              <a:p>
-                <a:pPr lvl="1"/>
-                <a:endParaRPr lang="en-US" dirty="0"/>
-              </a:p>
-            </p:txBody>
-          </p:sp>
-        </mc:Choice>
-        <mc:Fallback xmlns="">
-          <p:sp>
-            <p:nvSpPr>
-              <p:cNvPr id="3" name="Content Placeholder 2">
-                <a:extLst>
-                  <a:ext uri="{FF2B5EF4-FFF2-40B4-BE49-F238E27FC236}">
-                    <a16:creationId xmlns:a16="http://schemas.microsoft.com/office/drawing/2014/main" id="{258E6AF3-7615-4BD1-878E-A94C93E98F90}"/>
-                  </a:ext>
-                </a:extLst>
-              </p:cNvPr>
-              <p:cNvSpPr>
-                <a:spLocks noGrp="1" noRot="1" noChangeAspect="1" noMove="1" noResize="1" noEditPoints="1" noAdjustHandles="1" noChangeArrowheads="1" noChangeShapeType="1" noTextEdit="1"/>
-              </p:cNvSpPr>
-              <p:nvPr>
-                <p:ph idx="1"/>
-              </p:nvPr>
-            </p:nvSpPr>
-            <p:spPr>
-              <a:xfrm>
-                <a:off x="784412" y="1234699"/>
-                <a:ext cx="10515600" cy="5501898"/>
-              </a:xfrm>
-              <a:blipFill>
-                <a:blip r:embed="rId2"/>
-                <a:stretch>
-                  <a:fillRect l="-1507" t="-2328"/>
-                </a:stretch>
-              </a:blipFill>
-            </p:spPr>
-            <p:txBody>
-              <a:bodyPr/>
-              <a:lstStyle/>
-              <a:p>
-                <a:r>
-                  <a:rPr lang="en-US">
-                    <a:noFill/>
-                  </a:rPr>
-                  <a:t> </a:t>
-                </a:r>
-              </a:p>
-            </p:txBody>
-          </p:sp>
-        </mc:Fallback>
-      </mc:AlternateContent>
+      <p:sp>
+        <p:nvSpPr>
+          <p:cNvPr id="3" name="Content Placeholder 2">
+            <a:extLst>
+              <a:ext uri="{FF2B5EF4-FFF2-40B4-BE49-F238E27FC236}">
+                <a16:creationId xmlns:a16="http://schemas.microsoft.com/office/drawing/2014/main" id="{258E6AF3-7615-4BD1-878E-A94C93E98F90}"/>
+              </a:ext>
+            </a:extLst>
+          </p:cNvPr>
+          <p:cNvSpPr>
+            <a:spLocks noGrp="1"/>
+          </p:cNvSpPr>
+          <p:nvPr>
+            <p:ph idx="1"/>
+          </p:nvPr>
+        </p:nvSpPr>
+        <p:spPr>
+          <a:xfrm>
+            <a:off x="784412" y="1234699"/>
+            <a:ext cx="10515600" cy="5501898"/>
+          </a:xfrm>
+        </p:spPr>
+        <p:txBody>
+          <a:bodyPr>
+            <a:normAutofit/>
+          </a:bodyPr>
+          <a:lstStyle/>
+          <a:p>
+            <a:pPr marL="0" indent="0">
+              <a:buNone/>
+            </a:pPr>
+            <a:r>
+              <a:rPr lang="en-US" sz="3200" dirty="0"/>
+              <a:t>Compute and store summary statistics from moving window</a:t>
+            </a:r>
+            <a:endParaRPr lang="en-US" sz="3200" b="1" dirty="0"/>
+          </a:p>
+          <a:p>
+            <a:r>
+              <a:rPr lang="en-US" dirty="0"/>
+              <a:t>Better approach to updating statistic with moving window </a:t>
+            </a:r>
+          </a:p>
+          <a:p>
+            <a:r>
+              <a:rPr lang="en-US" dirty="0"/>
+              <a:t>On update: </a:t>
+            </a:r>
+          </a:p>
+          <a:p>
+            <a:pPr lvl="1"/>
+            <a:r>
+              <a:rPr lang="en-US" dirty="0"/>
+              <a:t>Add new observation to the beginning of window</a:t>
+            </a:r>
+          </a:p>
+          <a:p>
+            <a:pPr lvl="1"/>
+            <a:r>
+              <a:rPr lang="en-US" dirty="0"/>
+              <a:t>Remove old observation from end of window </a:t>
+            </a:r>
+          </a:p>
+          <a:p>
+            <a:r>
+              <a:rPr lang="en-US" dirty="0"/>
+              <a:t>Compute and store new estimate of statistic:</a:t>
+            </a:r>
+          </a:p>
+          <a:p>
+            <a:pPr lvl="1"/>
+            <a:r>
+              <a:rPr lang="en-US" dirty="0"/>
+              <a:t>After a fixed number of observations received </a:t>
+            </a:r>
+          </a:p>
+          <a:p>
+            <a:pPr lvl="1"/>
+            <a:r>
+              <a:rPr lang="en-US" dirty="0"/>
+              <a:t>Or at fixed time interval</a:t>
+            </a:r>
+          </a:p>
+          <a:p>
+            <a:r>
+              <a:rPr lang="en-US" dirty="0"/>
+              <a:t>Can be significant compression of data </a:t>
+            </a:r>
+          </a:p>
+          <a:p>
+            <a:pPr lvl="1"/>
+            <a:r>
+              <a:rPr lang="en-US" dirty="0"/>
+              <a:t>But may not scale well for large scale </a:t>
+            </a:r>
+          </a:p>
+          <a:p>
+            <a:pPr lvl="1"/>
+            <a:r>
+              <a:rPr lang="en-US" dirty="0"/>
+              <a:t>Cannot store continuous history </a:t>
+            </a:r>
+          </a:p>
+          <a:p>
+            <a:pPr lvl="1"/>
+            <a:endParaRPr lang="en-US" dirty="0"/>
+          </a:p>
+        </p:txBody>
+      </p:sp>
       <p:sp>
         <p:nvSpPr>
           <p:cNvPr id="6" name="Title 1">
@@ -6196,7 +6103,7 @@
     </p:spTree>
     <p:extLst>
       <p:ext uri="{BB962C8B-B14F-4D97-AF65-F5344CB8AC3E}">
-        <p14:creationId xmlns:p14="http://schemas.microsoft.com/office/powerpoint/2010/main" val="260898825"/>
+        <p14:creationId xmlns:p14="http://schemas.microsoft.com/office/powerpoint/2010/main" val="22589814"/>
       </p:ext>
     </p:extLst>
   </p:cSld>
@@ -6254,15 +6161,33 @@
                                   </p:childTnLst>
                                 </p:cTn>
                               </p:par>
+                            </p:childTnLst>
+                          </p:cTn>
+                        </p:par>
+                      </p:childTnLst>
+                    </p:cTn>
+                  </p:par>
+                  <p:par>
+                    <p:cTn id="7" fill="hold">
+                      <p:stCondLst>
+                        <p:cond delay="indefinite"/>
+                      </p:stCondLst>
+                      <p:childTnLst>
+                        <p:par>
+                          <p:cTn id="8" fill="hold">
+                            <p:stCondLst>
+                              <p:cond delay="0"/>
+                            </p:stCondLst>
+                            <p:childTnLst>
                               <p:par>
-                                <p:cTn id="7" presetID="1" presetClass="entr" presetSubtype="0" fill="hold" nodeType="withEffect">
+                                <p:cTn id="9" presetID="1" presetClass="entr" presetSubtype="0" fill="hold" nodeType="clickEffect">
                                   <p:stCondLst>
                                     <p:cond delay="0"/>
                                   </p:stCondLst>
                                   <p:childTnLst>
                                     <p:set>
                                       <p:cBhvr>
-                                        <p:cTn id="8" dur="1" fill="hold">
+                                        <p:cTn id="10" dur="1" fill="hold">
                                           <p:stCondLst>
                                             <p:cond delay="0"/>
                                           </p:stCondLst>
@@ -6285,15 +6210,33 @@
                                   </p:childTnLst>
                                 </p:cTn>
                               </p:par>
+                            </p:childTnLst>
+                          </p:cTn>
+                        </p:par>
+                      </p:childTnLst>
+                    </p:cTn>
+                  </p:par>
+                  <p:par>
+                    <p:cTn id="11" fill="hold">
+                      <p:stCondLst>
+                        <p:cond delay="indefinite"/>
+                      </p:stCondLst>
+                      <p:childTnLst>
+                        <p:par>
+                          <p:cTn id="12" fill="hold">
+                            <p:stCondLst>
+                              <p:cond delay="0"/>
+                            </p:stCondLst>
+                            <p:childTnLst>
                               <p:par>
-                                <p:cTn id="9" presetID="1" presetClass="entr" presetSubtype="0" fill="hold" nodeType="withEffect">
+                                <p:cTn id="13" presetID="1" presetClass="entr" presetSubtype="0" fill="hold" nodeType="clickEffect">
                                   <p:stCondLst>
                                     <p:cond delay="0"/>
                                   </p:stCondLst>
                                   <p:childTnLst>
                                     <p:set>
                                       <p:cBhvr>
-                                        <p:cTn id="10" dur="1" fill="hold">
+                                        <p:cTn id="14" dur="1" fill="hold">
                                           <p:stCondLst>
                                             <p:cond delay="0"/>
                                           </p:stCondLst>
@@ -6316,15 +6259,33 @@
                                   </p:childTnLst>
                                 </p:cTn>
                               </p:par>
+                            </p:childTnLst>
+                          </p:cTn>
+                        </p:par>
+                      </p:childTnLst>
+                    </p:cTn>
+                  </p:par>
+                  <p:par>
+                    <p:cTn id="15" fill="hold">
+                      <p:stCondLst>
+                        <p:cond delay="indefinite"/>
+                      </p:stCondLst>
+                      <p:childTnLst>
+                        <p:par>
+                          <p:cTn id="16" fill="hold">
+                            <p:stCondLst>
+                              <p:cond delay="0"/>
+                            </p:stCondLst>
+                            <p:childTnLst>
                               <p:par>
-                                <p:cTn id="11" presetID="1" presetClass="entr" presetSubtype="0" fill="hold" nodeType="withEffect">
+                                <p:cTn id="17" presetID="1" presetClass="entr" presetSubtype="0" fill="hold" nodeType="clickEffect">
                                   <p:stCondLst>
                                     <p:cond delay="0"/>
                                   </p:stCondLst>
                                   <p:childTnLst>
                                     <p:set>
                                       <p:cBhvr>
-                                        <p:cTn id="12" dur="1" fill="hold">
+                                        <p:cTn id="18" dur="1" fill="hold">
                                           <p:stCondLst>
                                             <p:cond delay="0"/>
                                           </p:stCondLst>
@@ -6347,15 +6308,33 @@
                                   </p:childTnLst>
                                 </p:cTn>
                               </p:par>
+                            </p:childTnLst>
+                          </p:cTn>
+                        </p:par>
+                      </p:childTnLst>
+                    </p:cTn>
+                  </p:par>
+                  <p:par>
+                    <p:cTn id="19" fill="hold">
+                      <p:stCondLst>
+                        <p:cond delay="indefinite"/>
+                      </p:stCondLst>
+                      <p:childTnLst>
+                        <p:par>
+                          <p:cTn id="20" fill="hold">
+                            <p:stCondLst>
+                              <p:cond delay="0"/>
+                            </p:stCondLst>
+                            <p:childTnLst>
                               <p:par>
-                                <p:cTn id="13" presetID="1" presetClass="entr" presetSubtype="0" fill="hold" nodeType="withEffect">
+                                <p:cTn id="21" presetID="1" presetClass="entr" presetSubtype="0" fill="hold" nodeType="clickEffect">
                                   <p:stCondLst>
                                     <p:cond delay="0"/>
                                   </p:stCondLst>
                                   <p:childTnLst>
                                     <p:set>
                                       <p:cBhvr>
-                                        <p:cTn id="14" dur="1" fill="hold">
+                                        <p:cTn id="22" dur="1" fill="hold">
                                           <p:stCondLst>
                                             <p:cond delay="0"/>
                                           </p:stCondLst>
@@ -6378,15 +6357,33 @@
                                   </p:childTnLst>
                                 </p:cTn>
                               </p:par>
+                            </p:childTnLst>
+                          </p:cTn>
+                        </p:par>
+                      </p:childTnLst>
+                    </p:cTn>
+                  </p:par>
+                  <p:par>
+                    <p:cTn id="23" fill="hold">
+                      <p:stCondLst>
+                        <p:cond delay="indefinite"/>
+                      </p:stCondLst>
+                      <p:childTnLst>
+                        <p:par>
+                          <p:cTn id="24" fill="hold">
+                            <p:stCondLst>
+                              <p:cond delay="0"/>
+                            </p:stCondLst>
+                            <p:childTnLst>
                               <p:par>
-                                <p:cTn id="15" presetID="1" presetClass="entr" presetSubtype="0" fill="hold" nodeType="withEffect">
+                                <p:cTn id="25" presetID="1" presetClass="entr" presetSubtype="0" fill="hold" nodeType="clickEffect">
                                   <p:stCondLst>
                                     <p:cond delay="0"/>
                                   </p:stCondLst>
                                   <p:childTnLst>
                                     <p:set>
                                       <p:cBhvr>
-                                        <p:cTn id="16" dur="1" fill="hold">
+                                        <p:cTn id="26" dur="1" fill="hold">
                                           <p:stCondLst>
                                             <p:cond delay="0"/>
                                           </p:stCondLst>
@@ -6409,15 +6406,33 @@
                                   </p:childTnLst>
                                 </p:cTn>
                               </p:par>
+                            </p:childTnLst>
+                          </p:cTn>
+                        </p:par>
+                      </p:childTnLst>
+                    </p:cTn>
+                  </p:par>
+                  <p:par>
+                    <p:cTn id="27" fill="hold">
+                      <p:stCondLst>
+                        <p:cond delay="indefinite"/>
+                      </p:stCondLst>
+                      <p:childTnLst>
+                        <p:par>
+                          <p:cTn id="28" fill="hold">
+                            <p:stCondLst>
+                              <p:cond delay="0"/>
+                            </p:stCondLst>
+                            <p:childTnLst>
                               <p:par>
-                                <p:cTn id="17" presetID="1" presetClass="entr" presetSubtype="0" fill="hold" nodeType="withEffect">
+                                <p:cTn id="29" presetID="1" presetClass="entr" presetSubtype="0" fill="hold" nodeType="clickEffect">
                                   <p:stCondLst>
                                     <p:cond delay="0"/>
                                   </p:stCondLst>
                                   <p:childTnLst>
                                     <p:set>
                                       <p:cBhvr>
-                                        <p:cTn id="18" dur="1" fill="hold">
+                                        <p:cTn id="30" dur="1" fill="hold">
                                           <p:stCondLst>
                                             <p:cond delay="0"/>
                                           </p:stCondLst>
@@ -6440,15 +6455,33 @@
                                   </p:childTnLst>
                                 </p:cTn>
                               </p:par>
+                            </p:childTnLst>
+                          </p:cTn>
+                        </p:par>
+                      </p:childTnLst>
+                    </p:cTn>
+                  </p:par>
+                  <p:par>
+                    <p:cTn id="31" fill="hold">
+                      <p:stCondLst>
+                        <p:cond delay="indefinite"/>
+                      </p:stCondLst>
+                      <p:childTnLst>
+                        <p:par>
+                          <p:cTn id="32" fill="hold">
+                            <p:stCondLst>
+                              <p:cond delay="0"/>
+                            </p:stCondLst>
+                            <p:childTnLst>
                               <p:par>
-                                <p:cTn id="19" presetID="1" presetClass="entr" presetSubtype="0" fill="hold" nodeType="withEffect">
+                                <p:cTn id="33" presetID="1" presetClass="entr" presetSubtype="0" fill="hold" nodeType="clickEffect">
                                   <p:stCondLst>
                                     <p:cond delay="0"/>
                                   </p:stCondLst>
                                   <p:childTnLst>
                                     <p:set>
                                       <p:cBhvr>
-                                        <p:cTn id="20" dur="1" fill="hold">
+                                        <p:cTn id="34" dur="1" fill="hold">
                                           <p:stCondLst>
                                             <p:cond delay="0"/>
                                           </p:stCondLst>
@@ -6471,15 +6504,33 @@
                                   </p:childTnLst>
                                 </p:cTn>
                               </p:par>
+                            </p:childTnLst>
+                          </p:cTn>
+                        </p:par>
+                      </p:childTnLst>
+                    </p:cTn>
+                  </p:par>
+                  <p:par>
+                    <p:cTn id="35" fill="hold">
+                      <p:stCondLst>
+                        <p:cond delay="indefinite"/>
+                      </p:stCondLst>
+                      <p:childTnLst>
+                        <p:par>
+                          <p:cTn id="36" fill="hold">
+                            <p:stCondLst>
+                              <p:cond delay="0"/>
+                            </p:stCondLst>
+                            <p:childTnLst>
                               <p:par>
-                                <p:cTn id="21" presetID="1" presetClass="entr" presetSubtype="0" fill="hold" nodeType="withEffect">
+                                <p:cTn id="37" presetID="1" presetClass="entr" presetSubtype="0" fill="hold" nodeType="clickEffect">
                                   <p:stCondLst>
                                     <p:cond delay="0"/>
                                   </p:stCondLst>
                                   <p:childTnLst>
                                     <p:set>
                                       <p:cBhvr>
-                                        <p:cTn id="22" dur="1" fill="hold">
+                                        <p:cTn id="38" dur="1" fill="hold">
                                           <p:stCondLst>
                                             <p:cond delay="0"/>
                                           </p:stCondLst>
@@ -6502,15 +6553,33 @@
                                   </p:childTnLst>
                                 </p:cTn>
                               </p:par>
+                            </p:childTnLst>
+                          </p:cTn>
+                        </p:par>
+                      </p:childTnLst>
+                    </p:cTn>
+                  </p:par>
+                  <p:par>
+                    <p:cTn id="39" fill="hold">
+                      <p:stCondLst>
+                        <p:cond delay="indefinite"/>
+                      </p:stCondLst>
+                      <p:childTnLst>
+                        <p:par>
+                          <p:cTn id="40" fill="hold">
+                            <p:stCondLst>
+                              <p:cond delay="0"/>
+                            </p:stCondLst>
+                            <p:childTnLst>
                               <p:par>
-                                <p:cTn id="23" presetID="1" presetClass="entr" presetSubtype="0" fill="hold" nodeType="withEffect">
+                                <p:cTn id="41" presetID="1" presetClass="entr" presetSubtype="0" fill="hold" nodeType="clickEffect">
                                   <p:stCondLst>
                                     <p:cond delay="0"/>
                                   </p:stCondLst>
                                   <p:childTnLst>
                                     <p:set>
                                       <p:cBhvr>
-                                        <p:cTn id="24" dur="1" fill="hold">
+                                        <p:cTn id="42" dur="1" fill="hold">
                                           <p:stCondLst>
                                             <p:cond delay="0"/>
                                           </p:stCondLst>
@@ -6565,6 +6634,679 @@
 </file>
 
 <file path=ppt/slides/slide14.xml><?xml version="1.0" encoding="utf-8"?>
+<p:sld xmlns:a="http://schemas.openxmlformats.org/drawingml/2006/main" xmlns:r="http://schemas.openxmlformats.org/officeDocument/2006/relationships" xmlns:p="http://schemas.openxmlformats.org/presentationml/2006/main">
+  <p:cSld>
+    <p:spTree>
+      <p:nvGrpSpPr>
+        <p:cNvPr id="1" name=""/>
+        <p:cNvGrpSpPr/>
+        <p:nvPr/>
+      </p:nvGrpSpPr>
+      <p:grpSpPr>
+        <a:xfrm>
+          <a:off x="0" y="0"/>
+          <a:ext cx="0" cy="0"/>
+          <a:chOff x="0" y="0"/>
+          <a:chExt cx="0" cy="0"/>
+        </a:xfrm>
+      </p:grpSpPr>
+      <p:sp>
+        <p:nvSpPr>
+          <p:cNvPr id="3" name="Content Placeholder 2">
+            <a:extLst>
+              <a:ext uri="{FF2B5EF4-FFF2-40B4-BE49-F238E27FC236}">
+                <a16:creationId xmlns:a16="http://schemas.microsoft.com/office/drawing/2014/main" id="{258E6AF3-7615-4BD1-878E-A94C93E98F90}"/>
+              </a:ext>
+            </a:extLst>
+          </p:cNvPr>
+          <p:cNvSpPr>
+            <a:spLocks noGrp="1"/>
+          </p:cNvSpPr>
+          <p:nvPr>
+            <p:ph idx="1"/>
+          </p:nvPr>
+        </p:nvSpPr>
+        <p:spPr>
+          <a:xfrm>
+            <a:off x="784412" y="1234699"/>
+            <a:ext cx="10515600" cy="701677"/>
+          </a:xfrm>
+        </p:spPr>
+        <p:txBody>
+          <a:bodyPr>
+            <a:normAutofit/>
+          </a:bodyPr>
+          <a:lstStyle/>
+          <a:p>
+            <a:pPr marL="0" indent="0">
+              <a:buNone/>
+            </a:pPr>
+            <a:r>
+              <a:rPr lang="en-US" sz="3200" dirty="0"/>
+              <a:t>Compute and store summary statistics from moving window</a:t>
+            </a:r>
+            <a:endParaRPr lang="en-US" sz="3200" b="1" dirty="0"/>
+          </a:p>
+          <a:p>
+            <a:pPr lvl="1"/>
+            <a:endParaRPr lang="en-US" dirty="0"/>
+          </a:p>
+          <a:p>
+            <a:pPr lvl="1"/>
+            <a:endParaRPr lang="en-US" dirty="0"/>
+          </a:p>
+        </p:txBody>
+      </p:sp>
+      <p:sp>
+        <p:nvSpPr>
+          <p:cNvPr id="6" name="Title 1">
+            <a:extLst>
+              <a:ext uri="{FF2B5EF4-FFF2-40B4-BE49-F238E27FC236}">
+                <a16:creationId xmlns:a16="http://schemas.microsoft.com/office/drawing/2014/main" id="{CD29F70F-B868-451B-A65D-8721F4C7A2D9}"/>
+              </a:ext>
+            </a:extLst>
+          </p:cNvPr>
+          <p:cNvSpPr txBox="1">
+            <a:spLocks/>
+          </p:cNvSpPr>
+          <p:nvPr/>
+        </p:nvSpPr>
+        <p:spPr>
+          <a:xfrm>
+            <a:off x="838200" y="-635"/>
+            <a:ext cx="10515600" cy="1325563"/>
+          </a:xfrm>
+          <a:prstGeom prst="rect">
+            <a:avLst/>
+          </a:prstGeom>
+        </p:spPr>
+        <p:txBody>
+          <a:bodyPr vert="horz" lIns="91440" tIns="45720" rIns="91440" bIns="45720" rtlCol="0" anchor="ctr">
+            <a:normAutofit/>
+          </a:bodyPr>
+          <a:lstStyle>
+            <a:lvl1pPr algn="l" defTabSz="914400" rtl="0" eaLnBrk="1" latinLnBrk="0" hangingPunct="1">
+              <a:lnSpc>
+                <a:spcPct val="90000"/>
+              </a:lnSpc>
+              <a:spcBef>
+                <a:spcPct val="0"/>
+              </a:spcBef>
+              <a:buNone/>
+              <a:defRPr sz="4400" kern="1200">
+                <a:solidFill>
+                  <a:schemeClr val="tx1"/>
+                </a:solidFill>
+                <a:latin typeface="+mj-lt"/>
+                <a:ea typeface="+mj-ea"/>
+                <a:cs typeface="+mj-cs"/>
+              </a:defRPr>
+            </a:lvl1pPr>
+          </a:lstStyle>
+          <a:p>
+            <a:r>
+              <a:rPr lang="en-US" dirty="0">
+                <a:latin typeface="+mn-lt"/>
+              </a:rPr>
+              <a:t>Moving Window Analytics</a:t>
+            </a:r>
+          </a:p>
+        </p:txBody>
+      </p:sp>
+      <p:sp>
+        <p:nvSpPr>
+          <p:cNvPr id="2" name="TextBox 1">
+            <a:extLst>
+              <a:ext uri="{FF2B5EF4-FFF2-40B4-BE49-F238E27FC236}">
+                <a16:creationId xmlns:a16="http://schemas.microsoft.com/office/drawing/2014/main" id="{739DB8D8-F827-4BB3-A962-2FA8869EA91E}"/>
+              </a:ext>
+            </a:extLst>
+          </p:cNvPr>
+          <p:cNvSpPr txBox="1"/>
+          <p:nvPr/>
+        </p:nvSpPr>
+        <p:spPr>
+          <a:xfrm>
+            <a:off x="706765" y="2329429"/>
+            <a:ext cx="10470546" cy="461665"/>
+          </a:xfrm>
+          <a:prstGeom prst="rect">
+            <a:avLst/>
+          </a:prstGeom>
+          <a:noFill/>
+          <a:ln w="25400">
+            <a:solidFill>
+              <a:schemeClr val="tx1"/>
+            </a:solidFill>
+          </a:ln>
+        </p:spPr>
+        <p:txBody>
+          <a:bodyPr wrap="square" rtlCol="0">
+            <a:spAutoFit/>
+          </a:bodyPr>
+          <a:lstStyle/>
+          <a:p>
+            <a:r>
+              <a:rPr lang="en-US" sz="2400" dirty="0"/>
+              <a:t> …. t</a:t>
+            </a:r>
+            <a:r>
+              <a:rPr lang="en-US" sz="2400" baseline="-25000" dirty="0"/>
+              <a:t>0  </a:t>
+            </a:r>
+            <a:r>
+              <a:rPr lang="en-US" sz="2400" dirty="0"/>
+              <a:t>t</a:t>
+            </a:r>
+            <a:r>
+              <a:rPr lang="en-US" sz="2400" baseline="-25000" dirty="0"/>
+              <a:t>1 </a:t>
+            </a:r>
+            <a:r>
+              <a:rPr lang="en-US" sz="2400" dirty="0"/>
+              <a:t> t</a:t>
+            </a:r>
+            <a:r>
+              <a:rPr lang="en-US" sz="2400" baseline="-25000" dirty="0"/>
+              <a:t>2</a:t>
+            </a:r>
+            <a:r>
+              <a:rPr lang="en-US" sz="2400" dirty="0"/>
+              <a:t>  t</a:t>
+            </a:r>
+            <a:r>
+              <a:rPr lang="en-US" sz="2400" baseline="-25000" dirty="0"/>
+              <a:t>3</a:t>
+            </a:r>
+            <a:r>
+              <a:rPr lang="en-US" sz="2400" dirty="0"/>
+              <a:t>  </a:t>
+            </a:r>
+            <a:r>
+              <a:rPr lang="en-US" sz="2400" dirty="0" err="1"/>
+              <a:t>t</a:t>
+            </a:r>
+            <a:r>
+              <a:rPr lang="en-US" sz="2400" baseline="-25000" dirty="0" err="1"/>
+              <a:t>3</a:t>
+            </a:r>
+            <a:r>
+              <a:rPr lang="en-US" sz="2400" baseline="-25000" dirty="0"/>
+              <a:t>  </a:t>
+            </a:r>
+            <a:r>
+              <a:rPr lang="en-US" sz="2400" dirty="0"/>
+              <a:t>t</a:t>
+            </a:r>
+            <a:r>
+              <a:rPr lang="en-US" sz="2400" baseline="-25000" dirty="0"/>
+              <a:t>4 </a:t>
+            </a:r>
+            <a:r>
+              <a:rPr lang="en-US" sz="2400" dirty="0"/>
+              <a:t>t</a:t>
+            </a:r>
+            <a:r>
+              <a:rPr lang="en-US" sz="2400" baseline="-25000" dirty="0"/>
+              <a:t>5 </a:t>
+            </a:r>
+            <a:r>
+              <a:rPr lang="en-US" sz="2400" dirty="0"/>
+              <a:t>t</a:t>
+            </a:r>
+            <a:r>
+              <a:rPr lang="en-US" sz="2400" baseline="-25000" dirty="0"/>
+              <a:t>6 </a:t>
+            </a:r>
+            <a:r>
+              <a:rPr lang="en-US" sz="2400" dirty="0"/>
+              <a:t>t</a:t>
+            </a:r>
+            <a:r>
+              <a:rPr lang="en-US" sz="2400" baseline="-25000" dirty="0"/>
+              <a:t>7 </a:t>
+            </a:r>
+            <a:r>
+              <a:rPr lang="en-US" sz="2400" dirty="0"/>
+              <a:t>t</a:t>
+            </a:r>
+            <a:r>
+              <a:rPr lang="en-US" sz="2400" baseline="-25000" dirty="0"/>
+              <a:t>8 </a:t>
+            </a:r>
+            <a:r>
+              <a:rPr lang="en-US" sz="2400" dirty="0"/>
+              <a:t>t</a:t>
+            </a:r>
+            <a:r>
+              <a:rPr lang="en-US" sz="2400" baseline="-25000" dirty="0"/>
+              <a:t>9 </a:t>
+            </a:r>
+            <a:r>
+              <a:rPr lang="en-US" sz="2400" dirty="0"/>
+              <a:t>t</a:t>
+            </a:r>
+            <a:r>
+              <a:rPr lang="en-US" sz="2400" baseline="-25000" dirty="0"/>
+              <a:t>10 </a:t>
+            </a:r>
+            <a:r>
+              <a:rPr lang="en-US" sz="2400" dirty="0"/>
+              <a:t>t</a:t>
+            </a:r>
+            <a:r>
+              <a:rPr lang="en-US" sz="2400" baseline="-25000" dirty="0"/>
+              <a:t>11 </a:t>
+            </a:r>
+            <a:r>
+              <a:rPr lang="en-US" sz="2400" dirty="0"/>
+              <a:t>t</a:t>
+            </a:r>
+            <a:r>
+              <a:rPr lang="en-US" sz="2400" baseline="-25000" dirty="0"/>
+              <a:t>12 </a:t>
+            </a:r>
+            <a:r>
+              <a:rPr lang="en-US" sz="2400" dirty="0"/>
+              <a:t>t</a:t>
+            </a:r>
+            <a:r>
+              <a:rPr lang="en-US" sz="2400" baseline="-25000" dirty="0"/>
+              <a:t>13 </a:t>
+            </a:r>
+            <a:r>
+              <a:rPr lang="en-US" sz="2400" dirty="0"/>
+              <a:t>t</a:t>
+            </a:r>
+            <a:r>
+              <a:rPr lang="en-US" sz="2400" baseline="-25000" dirty="0"/>
+              <a:t>14 </a:t>
+            </a:r>
+            <a:r>
+              <a:rPr lang="en-US" sz="2400" dirty="0"/>
+              <a:t>t</a:t>
+            </a:r>
+            <a:r>
+              <a:rPr lang="en-US" sz="2400" baseline="-25000" dirty="0"/>
+              <a:t>15 </a:t>
+            </a:r>
+            <a:r>
+              <a:rPr lang="en-US" sz="2400" dirty="0"/>
+              <a:t>t</a:t>
+            </a:r>
+            <a:r>
+              <a:rPr lang="en-US" sz="2400" baseline="-25000" dirty="0"/>
+              <a:t>16 </a:t>
+            </a:r>
+            <a:r>
+              <a:rPr lang="en-US" sz="2400" dirty="0"/>
+              <a:t>t</a:t>
+            </a:r>
+            <a:r>
+              <a:rPr lang="en-US" sz="2400" baseline="-25000" dirty="0"/>
+              <a:t>17 </a:t>
+            </a:r>
+            <a:r>
+              <a:rPr lang="en-US" sz="2400" dirty="0"/>
+              <a:t>t</a:t>
+            </a:r>
+            <a:r>
+              <a:rPr lang="en-US" sz="2400" baseline="-25000" dirty="0"/>
+              <a:t>18 </a:t>
+            </a:r>
+            <a:r>
+              <a:rPr lang="en-US" sz="2400" dirty="0"/>
+              <a:t>t</a:t>
+            </a:r>
+            <a:r>
+              <a:rPr lang="en-US" sz="2400" baseline="-25000" dirty="0"/>
+              <a:t>19 </a:t>
+            </a:r>
+            <a:r>
+              <a:rPr lang="en-US" sz="2400" dirty="0"/>
+              <a:t>t</a:t>
+            </a:r>
+            <a:r>
+              <a:rPr lang="en-US" sz="2400" baseline="-25000" dirty="0"/>
+              <a:t>20 </a:t>
+            </a:r>
+            <a:r>
+              <a:rPr lang="en-US" sz="2400" dirty="0"/>
+              <a:t>t</a:t>
+            </a:r>
+            <a:r>
+              <a:rPr lang="en-US" sz="2400" baseline="-25000" dirty="0"/>
+              <a:t>21 </a:t>
+            </a:r>
+            <a:r>
+              <a:rPr lang="en-US" sz="2400" dirty="0"/>
+              <a:t>t</a:t>
+            </a:r>
+            <a:r>
+              <a:rPr lang="en-US" sz="2400" baseline="-25000" dirty="0"/>
+              <a:t>22 </a:t>
+            </a:r>
+            <a:r>
+              <a:rPr lang="en-US" sz="2400" dirty="0"/>
+              <a:t>t</a:t>
+            </a:r>
+            <a:r>
+              <a:rPr lang="en-US" sz="2400" baseline="-25000" dirty="0"/>
+              <a:t>23 </a:t>
+            </a:r>
+            <a:r>
+              <a:rPr lang="en-US" sz="2400" dirty="0"/>
+              <a:t>t</a:t>
+            </a:r>
+            <a:r>
+              <a:rPr lang="en-US" sz="2400" baseline="-25000" dirty="0"/>
+              <a:t>24 </a:t>
+            </a:r>
+            <a:r>
+              <a:rPr lang="en-US" sz="2400" dirty="0"/>
+              <a:t>t</a:t>
+            </a:r>
+            <a:r>
+              <a:rPr lang="en-US" sz="2400" baseline="-25000" dirty="0"/>
+              <a:t>25 </a:t>
+            </a:r>
+            <a:r>
+              <a:rPr lang="en-US" sz="2400" dirty="0"/>
+              <a:t>t</a:t>
+            </a:r>
+            <a:r>
+              <a:rPr lang="en-US" sz="2400" baseline="-25000" dirty="0"/>
+              <a:t>26 </a:t>
+            </a:r>
+            <a:r>
+              <a:rPr lang="en-US" sz="2400" dirty="0"/>
+              <a:t>t</a:t>
+            </a:r>
+            <a:r>
+              <a:rPr lang="en-US" sz="2400" baseline="-25000" dirty="0"/>
+              <a:t>27 </a:t>
+            </a:r>
+            <a:r>
+              <a:rPr lang="en-US" sz="2400" dirty="0"/>
+              <a:t>t</a:t>
+            </a:r>
+            <a:r>
+              <a:rPr lang="en-US" sz="2400" baseline="-25000" dirty="0"/>
+              <a:t>28</a:t>
+            </a:r>
+          </a:p>
+        </p:txBody>
+      </p:sp>
+      <p:sp>
+        <p:nvSpPr>
+          <p:cNvPr id="4" name="Right Brace 3">
+            <a:extLst>
+              <a:ext uri="{FF2B5EF4-FFF2-40B4-BE49-F238E27FC236}">
+                <a16:creationId xmlns:a16="http://schemas.microsoft.com/office/drawing/2014/main" id="{C15128C2-B998-4C11-8D1A-E31F3E1960CE}"/>
+              </a:ext>
+            </a:extLst>
+          </p:cNvPr>
+          <p:cNvSpPr/>
+          <p:nvPr/>
+        </p:nvSpPr>
+        <p:spPr>
+          <a:xfrm rot="5400000">
+            <a:off x="2188535" y="2327278"/>
+            <a:ext cx="673396" cy="2498652"/>
+          </a:xfrm>
+          <a:prstGeom prst="rightBrace">
+            <a:avLst/>
+          </a:prstGeom>
+          <a:ln w="38100">
+            <a:solidFill>
+              <a:schemeClr val="tx1"/>
+            </a:solidFill>
+          </a:ln>
+        </p:spPr>
+        <p:style>
+          <a:lnRef idx="1">
+            <a:schemeClr val="accent1"/>
+          </a:lnRef>
+          <a:fillRef idx="0">
+            <a:schemeClr val="accent1"/>
+          </a:fillRef>
+          <a:effectRef idx="0">
+            <a:schemeClr val="accent1"/>
+          </a:effectRef>
+          <a:fontRef idx="minor">
+            <a:schemeClr val="tx1"/>
+          </a:fontRef>
+        </p:style>
+        <p:txBody>
+          <a:bodyPr rtlCol="0" anchor="ctr"/>
+          <a:lstStyle/>
+          <a:p>
+            <a:pPr algn="ctr"/>
+            <a:endParaRPr lang="en-US"/>
+          </a:p>
+        </p:txBody>
+      </p:sp>
+      <p:sp>
+        <p:nvSpPr>
+          <p:cNvPr id="7" name="Right Brace 6">
+            <a:extLst>
+              <a:ext uri="{FF2B5EF4-FFF2-40B4-BE49-F238E27FC236}">
+                <a16:creationId xmlns:a16="http://schemas.microsoft.com/office/drawing/2014/main" id="{6FD6C752-9354-4A50-A7D8-D173C4665138}"/>
+              </a:ext>
+            </a:extLst>
+          </p:cNvPr>
+          <p:cNvSpPr/>
+          <p:nvPr/>
+        </p:nvSpPr>
+        <p:spPr>
+          <a:xfrm rot="5400000">
+            <a:off x="3437861" y="3660840"/>
+            <a:ext cx="673396" cy="2498652"/>
+          </a:xfrm>
+          <a:prstGeom prst="rightBrace">
+            <a:avLst/>
+          </a:prstGeom>
+          <a:ln w="38100">
+            <a:solidFill>
+              <a:schemeClr val="tx1"/>
+            </a:solidFill>
+          </a:ln>
+        </p:spPr>
+        <p:style>
+          <a:lnRef idx="1">
+            <a:schemeClr val="accent1"/>
+          </a:lnRef>
+          <a:fillRef idx="0">
+            <a:schemeClr val="accent1"/>
+          </a:fillRef>
+          <a:effectRef idx="0">
+            <a:schemeClr val="accent1"/>
+          </a:effectRef>
+          <a:fontRef idx="minor">
+            <a:schemeClr val="tx1"/>
+          </a:fontRef>
+        </p:style>
+        <p:txBody>
+          <a:bodyPr rtlCol="0" anchor="ctr"/>
+          <a:lstStyle/>
+          <a:p>
+            <a:pPr algn="ctr"/>
+            <a:endParaRPr lang="en-US"/>
+          </a:p>
+        </p:txBody>
+      </p:sp>
+      <p:cxnSp>
+        <p:nvCxnSpPr>
+          <p:cNvPr id="8" name="Straight Arrow Connector 7">
+            <a:extLst>
+              <a:ext uri="{FF2B5EF4-FFF2-40B4-BE49-F238E27FC236}">
+                <a16:creationId xmlns:a16="http://schemas.microsoft.com/office/drawing/2014/main" id="{AE8A075D-BE5C-433E-8EC9-859C451635F9}"/>
+              </a:ext>
+            </a:extLst>
+          </p:cNvPr>
+          <p:cNvCxnSpPr/>
+          <p:nvPr/>
+        </p:nvCxnSpPr>
+        <p:spPr>
+          <a:xfrm>
+            <a:off x="1275907" y="2906233"/>
+            <a:ext cx="2498652" cy="0"/>
+          </a:xfrm>
+          <a:prstGeom prst="straightConnector1">
+            <a:avLst/>
+          </a:prstGeom>
+          <a:ln w="50800">
+            <a:solidFill>
+              <a:schemeClr val="tx1"/>
+            </a:solidFill>
+            <a:headEnd type="triangle"/>
+            <a:tailEnd type="triangle"/>
+          </a:ln>
+        </p:spPr>
+        <p:style>
+          <a:lnRef idx="1">
+            <a:schemeClr val="accent1"/>
+          </a:lnRef>
+          <a:fillRef idx="0">
+            <a:schemeClr val="accent1"/>
+          </a:fillRef>
+          <a:effectRef idx="0">
+            <a:schemeClr val="accent1"/>
+          </a:effectRef>
+          <a:fontRef idx="minor">
+            <a:schemeClr val="tx1"/>
+          </a:fontRef>
+        </p:style>
+      </p:cxnSp>
+      <p:sp>
+        <p:nvSpPr>
+          <p:cNvPr id="9" name="TextBox 8">
+            <a:extLst>
+              <a:ext uri="{FF2B5EF4-FFF2-40B4-BE49-F238E27FC236}">
+                <a16:creationId xmlns:a16="http://schemas.microsoft.com/office/drawing/2014/main" id="{17888F05-EF15-4D58-A6C9-D8D370BA2A88}"/>
+              </a:ext>
+            </a:extLst>
+          </p:cNvPr>
+          <p:cNvSpPr txBox="1"/>
+          <p:nvPr/>
+        </p:nvSpPr>
+        <p:spPr>
+          <a:xfrm>
+            <a:off x="1155402" y="2852593"/>
+            <a:ext cx="3366977" cy="461665"/>
+          </a:xfrm>
+          <a:prstGeom prst="rect">
+            <a:avLst/>
+          </a:prstGeom>
+          <a:noFill/>
+        </p:spPr>
+        <p:txBody>
+          <a:bodyPr wrap="square" rtlCol="0">
+            <a:spAutoFit/>
+          </a:bodyPr>
+          <a:lstStyle/>
+          <a:p>
+            <a:r>
+              <a:rPr lang="en-US" sz="2400" dirty="0"/>
+              <a:t>Span of time window = 8</a:t>
+            </a:r>
+          </a:p>
+        </p:txBody>
+      </p:sp>
+      <p:cxnSp>
+        <p:nvCxnSpPr>
+          <p:cNvPr id="10" name="Straight Arrow Connector 9">
+            <a:extLst>
+              <a:ext uri="{FF2B5EF4-FFF2-40B4-BE49-F238E27FC236}">
+                <a16:creationId xmlns:a16="http://schemas.microsoft.com/office/drawing/2014/main" id="{9799DF79-E384-4675-BC91-11A5F47BCEBF}"/>
+              </a:ext>
+            </a:extLst>
+          </p:cNvPr>
+          <p:cNvCxnSpPr>
+            <a:cxnSpLocks/>
+          </p:cNvCxnSpPr>
+          <p:nvPr/>
+        </p:nvCxnSpPr>
+        <p:spPr>
+          <a:xfrm>
+            <a:off x="1275907" y="4102643"/>
+            <a:ext cx="1249326" cy="0"/>
+          </a:xfrm>
+          <a:prstGeom prst="straightConnector1">
+            <a:avLst/>
+          </a:prstGeom>
+          <a:ln w="50800">
+            <a:solidFill>
+              <a:schemeClr val="tx1"/>
+            </a:solidFill>
+            <a:headEnd type="oval"/>
+            <a:tailEnd type="triangle"/>
+          </a:ln>
+        </p:spPr>
+        <p:style>
+          <a:lnRef idx="1">
+            <a:schemeClr val="accent1"/>
+          </a:lnRef>
+          <a:fillRef idx="0">
+            <a:schemeClr val="accent1"/>
+          </a:fillRef>
+          <a:effectRef idx="0">
+            <a:schemeClr val="accent1"/>
+          </a:effectRef>
+          <a:fontRef idx="minor">
+            <a:schemeClr val="tx1"/>
+          </a:fontRef>
+        </p:style>
+      </p:cxnSp>
+      <p:sp>
+        <p:nvSpPr>
+          <p:cNvPr id="11" name="TextBox 10">
+            <a:extLst>
+              <a:ext uri="{FF2B5EF4-FFF2-40B4-BE49-F238E27FC236}">
+                <a16:creationId xmlns:a16="http://schemas.microsoft.com/office/drawing/2014/main" id="{1D1907B2-BBE0-4A16-BD29-6A3FE3910247}"/>
+              </a:ext>
+            </a:extLst>
+          </p:cNvPr>
+          <p:cNvSpPr txBox="1"/>
+          <p:nvPr/>
+        </p:nvSpPr>
+        <p:spPr>
+          <a:xfrm>
+            <a:off x="1063256" y="4153294"/>
+            <a:ext cx="3366977" cy="461665"/>
+          </a:xfrm>
+          <a:prstGeom prst="rect">
+            <a:avLst/>
+          </a:prstGeom>
+          <a:noFill/>
+        </p:spPr>
+        <p:txBody>
+          <a:bodyPr wrap="square" rtlCol="0">
+            <a:spAutoFit/>
+          </a:bodyPr>
+          <a:lstStyle/>
+          <a:p>
+            <a:r>
+              <a:rPr lang="en-US" sz="2400" dirty="0"/>
+              <a:t>Time step = 4</a:t>
+            </a:r>
+          </a:p>
+        </p:txBody>
+      </p:sp>
+    </p:spTree>
+    <p:extLst>
+      <p:ext uri="{BB962C8B-B14F-4D97-AF65-F5344CB8AC3E}">
+        <p14:creationId xmlns:p14="http://schemas.microsoft.com/office/powerpoint/2010/main" val="260898825"/>
+      </p:ext>
+    </p:extLst>
+  </p:cSld>
+  <p:clrMapOvr>
+    <a:masterClrMapping/>
+  </p:clrMapOvr>
+</p:sld>
+</file>
+
+<file path=ppt/slides/slide15.xml><?xml version="1.0" encoding="utf-8"?>
 <p:sld xmlns:a="http://schemas.openxmlformats.org/drawingml/2006/main" xmlns:r="http://schemas.openxmlformats.org/officeDocument/2006/relationships" xmlns:p="http://schemas.openxmlformats.org/presentationml/2006/main">
   <p:cSld>
     <p:spTree>
@@ -7107,7 +7849,7 @@
 </p:sld>
 </file>
 
-<file path=ppt/slides/slide15.xml><?xml version="1.0" encoding="utf-8"?>
+<file path=ppt/slides/slide16.xml><?xml version="1.0" encoding="utf-8"?>
 <p:sld xmlns:a="http://schemas.openxmlformats.org/drawingml/2006/main" xmlns:r="http://schemas.openxmlformats.org/officeDocument/2006/relationships" xmlns:p="http://schemas.openxmlformats.org/presentationml/2006/main">
   <p:cSld>
     <p:spTree>
@@ -7854,7 +8596,7 @@
 </p:sld>
 </file>
 
-<file path=ppt/slides/slide16.xml><?xml version="1.0" encoding="utf-8"?>
+<file path=ppt/slides/slide17.xml><?xml version="1.0" encoding="utf-8"?>
 <p:sld xmlns:a="http://schemas.openxmlformats.org/drawingml/2006/main" xmlns:r="http://schemas.openxmlformats.org/officeDocument/2006/relationships" xmlns:p="http://schemas.openxmlformats.org/presentationml/2006/main">
   <p:cSld>
     <p:spTree>
@@ -9196,7 +9938,7 @@
 </p:sld>
 </file>
 
-<file path=ppt/slides/slide17.xml><?xml version="1.0" encoding="utf-8"?>
+<file path=ppt/slides/slide18.xml><?xml version="1.0" encoding="utf-8"?>
 <p:sld xmlns:a="http://schemas.openxmlformats.org/drawingml/2006/main" xmlns:r="http://schemas.openxmlformats.org/officeDocument/2006/relationships" xmlns:p="http://schemas.openxmlformats.org/presentationml/2006/main">
   <p:cSld>
     <p:spTree>
@@ -10375,7 +11117,7 @@
 </p:sld>
 </file>
 
-<file path=ppt/slides/slide18.xml><?xml version="1.0" encoding="utf-8"?>
+<file path=ppt/slides/slide19.xml><?xml version="1.0" encoding="utf-8"?>
 <p:sld xmlns:a="http://schemas.openxmlformats.org/drawingml/2006/main" xmlns:r="http://schemas.openxmlformats.org/officeDocument/2006/relationships" xmlns:p="http://schemas.openxmlformats.org/presentationml/2006/main">
   <p:cSld>
     <p:spTree>
@@ -11309,7 +12051,658 @@
 </p:sld>
 </file>
 
-<file path=ppt/slides/slide19.xml><?xml version="1.0" encoding="utf-8"?>
+<file path=ppt/slides/slide2.xml><?xml version="1.0" encoding="utf-8"?>
+<p:sld xmlns:a="http://schemas.openxmlformats.org/drawingml/2006/main" xmlns:r="http://schemas.openxmlformats.org/officeDocument/2006/relationships" xmlns:p="http://schemas.openxmlformats.org/presentationml/2006/main">
+  <p:cSld>
+    <p:spTree>
+      <p:nvGrpSpPr>
+        <p:cNvPr id="1" name=""/>
+        <p:cNvGrpSpPr/>
+        <p:nvPr/>
+      </p:nvGrpSpPr>
+      <p:grpSpPr>
+        <a:xfrm>
+          <a:off x="0" y="0"/>
+          <a:ext cx="0" cy="0"/>
+          <a:chOff x="0" y="0"/>
+          <a:chExt cx="0" cy="0"/>
+        </a:xfrm>
+      </p:grpSpPr>
+      <p:sp>
+        <p:nvSpPr>
+          <p:cNvPr id="3" name="Content Placeholder 2">
+            <a:extLst>
+              <a:ext uri="{FF2B5EF4-FFF2-40B4-BE49-F238E27FC236}">
+                <a16:creationId xmlns:a16="http://schemas.microsoft.com/office/drawing/2014/main" id="{258E6AF3-7615-4BD1-878E-A94C93E98F90}"/>
+              </a:ext>
+            </a:extLst>
+          </p:cNvPr>
+          <p:cNvSpPr>
+            <a:spLocks noGrp="1"/>
+          </p:cNvSpPr>
+          <p:nvPr>
+            <p:ph idx="1"/>
+          </p:nvPr>
+        </p:nvSpPr>
+        <p:spPr>
+          <a:xfrm>
+            <a:off x="784412" y="1324928"/>
+            <a:ext cx="10515600" cy="4958516"/>
+          </a:xfrm>
+        </p:spPr>
+        <p:txBody>
+          <a:bodyPr/>
+          <a:lstStyle/>
+          <a:p>
+            <a:pPr marL="0" indent="0">
+              <a:buNone/>
+            </a:pPr>
+            <a:r>
+              <a:rPr lang="en-US" sz="3200" dirty="0"/>
+              <a:t>Are analytics always computed in batch   </a:t>
+            </a:r>
+            <a:endParaRPr lang="en-US" sz="3200" b="1" dirty="0"/>
+          </a:p>
+          <a:p>
+            <a:r>
+              <a:rPr lang="en-US" dirty="0"/>
+              <a:t>No!    </a:t>
+            </a:r>
+          </a:p>
+          <a:p>
+            <a:r>
+              <a:rPr lang="en-US" dirty="0"/>
+              <a:t>Data often arrives in </a:t>
+            </a:r>
+            <a:r>
+              <a:rPr lang="en-US" b="1" dirty="0"/>
+              <a:t>streams   </a:t>
+            </a:r>
+          </a:p>
+          <a:p>
+            <a:pPr lvl="1"/>
+            <a:r>
+              <a:rPr lang="en-US" dirty="0"/>
+              <a:t>Sensor data    </a:t>
+            </a:r>
+          </a:p>
+          <a:p>
+            <a:pPr lvl="1"/>
+            <a:r>
+              <a:rPr lang="en-US" dirty="0"/>
+              <a:t>Capital markets data  </a:t>
+            </a:r>
+          </a:p>
+          <a:p>
+            <a:pPr lvl="1"/>
+            <a:r>
+              <a:rPr lang="en-US" dirty="0"/>
+              <a:t>E-commerce purchases  </a:t>
+            </a:r>
+          </a:p>
+          <a:p>
+            <a:pPr lvl="1"/>
+            <a:r>
+              <a:rPr lang="en-US" dirty="0"/>
+              <a:t>Logistics </a:t>
+            </a:r>
+          </a:p>
+          <a:p>
+            <a:pPr lvl="1"/>
+            <a:r>
+              <a:rPr lang="en-US" dirty="0"/>
+              <a:t>Etc.</a:t>
+            </a:r>
+          </a:p>
+          <a:p>
+            <a:r>
+              <a:rPr lang="en-US" dirty="0"/>
+              <a:t>Analytics must be updated as data samples arrives  </a:t>
+            </a:r>
+          </a:p>
+        </p:txBody>
+      </p:sp>
+      <p:sp>
+        <p:nvSpPr>
+          <p:cNvPr id="6" name="Title 1">
+            <a:extLst>
+              <a:ext uri="{FF2B5EF4-FFF2-40B4-BE49-F238E27FC236}">
+                <a16:creationId xmlns:a16="http://schemas.microsoft.com/office/drawing/2014/main" id="{CD29F70F-B868-451B-A65D-8721F4C7A2D9}"/>
+              </a:ext>
+            </a:extLst>
+          </p:cNvPr>
+          <p:cNvSpPr txBox="1">
+            <a:spLocks/>
+          </p:cNvSpPr>
+          <p:nvPr/>
+        </p:nvSpPr>
+        <p:spPr>
+          <a:xfrm>
+            <a:off x="838200" y="-635"/>
+            <a:ext cx="10515600" cy="1325563"/>
+          </a:xfrm>
+          <a:prstGeom prst="rect">
+            <a:avLst/>
+          </a:prstGeom>
+        </p:spPr>
+        <p:txBody>
+          <a:bodyPr vert="horz" lIns="91440" tIns="45720" rIns="91440" bIns="45720" rtlCol="0" anchor="ctr">
+            <a:normAutofit/>
+          </a:bodyPr>
+          <a:lstStyle>
+            <a:lvl1pPr algn="l" defTabSz="914400" rtl="0" eaLnBrk="1" latinLnBrk="0" hangingPunct="1">
+              <a:lnSpc>
+                <a:spcPct val="90000"/>
+              </a:lnSpc>
+              <a:spcBef>
+                <a:spcPct val="0"/>
+              </a:spcBef>
+              <a:buNone/>
+              <a:defRPr sz="4400" kern="1200">
+                <a:solidFill>
+                  <a:schemeClr val="tx1"/>
+                </a:solidFill>
+                <a:latin typeface="+mj-lt"/>
+                <a:ea typeface="+mj-ea"/>
+                <a:cs typeface="+mj-cs"/>
+              </a:defRPr>
+            </a:lvl1pPr>
+          </a:lstStyle>
+          <a:p>
+            <a:r>
+              <a:rPr lang="en-US" dirty="0">
+                <a:latin typeface="+mn-lt"/>
+              </a:rPr>
+              <a:t>Streaming Analytics</a:t>
+            </a:r>
+          </a:p>
+        </p:txBody>
+      </p:sp>
+    </p:spTree>
+    <p:extLst>
+      <p:ext uri="{BB962C8B-B14F-4D97-AF65-F5344CB8AC3E}">
+        <p14:creationId xmlns:p14="http://schemas.microsoft.com/office/powerpoint/2010/main" val="115420158"/>
+      </p:ext>
+    </p:extLst>
+  </p:cSld>
+  <p:clrMapOvr>
+    <a:masterClrMapping/>
+  </p:clrMapOvr>
+  <p:timing>
+    <p:tnLst>
+      <p:par>
+        <p:cTn id="1" dur="indefinite" restart="never" nodeType="tmRoot">
+          <p:childTnLst>
+            <p:seq concurrent="1" nextAc="seek">
+              <p:cTn id="2" dur="indefinite" nodeType="mainSeq">
+                <p:childTnLst>
+                  <p:par>
+                    <p:cTn id="3" fill="hold">
+                      <p:stCondLst>
+                        <p:cond delay="indefinite"/>
+                      </p:stCondLst>
+                      <p:childTnLst>
+                        <p:par>
+                          <p:cTn id="4" fill="hold">
+                            <p:stCondLst>
+                              <p:cond delay="0"/>
+                            </p:stCondLst>
+                            <p:childTnLst>
+                              <p:par>
+                                <p:cTn id="5" presetID="1" presetClass="entr" presetSubtype="0" fill="hold" nodeType="clickEffect">
+                                  <p:stCondLst>
+                                    <p:cond delay="0"/>
+                                  </p:stCondLst>
+                                  <p:childTnLst>
+                                    <p:set>
+                                      <p:cBhvr>
+                                        <p:cTn id="6" dur="1" fill="hold">
+                                          <p:stCondLst>
+                                            <p:cond delay="0"/>
+                                          </p:stCondLst>
+                                        </p:cTn>
+                                        <p:tgtEl>
+                                          <p:spTgt spid="3">
+                                            <p:txEl>
+                                              <p:pRg st="0" end="0"/>
+                                            </p:txEl>
+                                          </p:spTgt>
+                                        </p:tgtEl>
+                                        <p:attrNameLst>
+                                          <p:attrName>style.visibility</p:attrName>
+                                        </p:attrNameLst>
+                                      </p:cBhvr>
+                                      <p:to>
+                                        <p:strVal val="visible"/>
+                                      </p:to>
+                                    </p:set>
+                                  </p:childTnLst>
+                                </p:cTn>
+                              </p:par>
+                            </p:childTnLst>
+                          </p:cTn>
+                        </p:par>
+                      </p:childTnLst>
+                    </p:cTn>
+                  </p:par>
+                  <p:par>
+                    <p:cTn id="7" fill="hold">
+                      <p:stCondLst>
+                        <p:cond delay="indefinite"/>
+                      </p:stCondLst>
+                      <p:childTnLst>
+                        <p:par>
+                          <p:cTn id="8" fill="hold">
+                            <p:stCondLst>
+                              <p:cond delay="0"/>
+                            </p:stCondLst>
+                            <p:childTnLst>
+                              <p:par>
+                                <p:cTn id="9" presetID="1" presetClass="entr" presetSubtype="0" fill="hold" nodeType="clickEffect">
+                                  <p:stCondLst>
+                                    <p:cond delay="0"/>
+                                  </p:stCondLst>
+                                  <p:childTnLst>
+                                    <p:set>
+                                      <p:cBhvr>
+                                        <p:cTn id="10" dur="1" fill="hold">
+                                          <p:stCondLst>
+                                            <p:cond delay="0"/>
+                                          </p:stCondLst>
+                                        </p:cTn>
+                                        <p:tgtEl>
+                                          <p:spTgt spid="3">
+                                            <p:txEl>
+                                              <p:pRg st="1" end="1"/>
+                                            </p:txEl>
+                                          </p:spTgt>
+                                        </p:tgtEl>
+                                        <p:attrNameLst>
+                                          <p:attrName>style.visibility</p:attrName>
+                                        </p:attrNameLst>
+                                      </p:cBhvr>
+                                      <p:to>
+                                        <p:strVal val="visible"/>
+                                      </p:to>
+                                    </p:set>
+                                  </p:childTnLst>
+                                </p:cTn>
+                              </p:par>
+                            </p:childTnLst>
+                          </p:cTn>
+                        </p:par>
+                      </p:childTnLst>
+                    </p:cTn>
+                  </p:par>
+                  <p:par>
+                    <p:cTn id="11" fill="hold">
+                      <p:stCondLst>
+                        <p:cond delay="indefinite"/>
+                      </p:stCondLst>
+                      <p:childTnLst>
+                        <p:par>
+                          <p:cTn id="12" fill="hold">
+                            <p:stCondLst>
+                              <p:cond delay="0"/>
+                            </p:stCondLst>
+                            <p:childTnLst>
+                              <p:par>
+                                <p:cTn id="13" presetID="1" presetClass="entr" presetSubtype="0" fill="hold" nodeType="clickEffect">
+                                  <p:stCondLst>
+                                    <p:cond delay="0"/>
+                                  </p:stCondLst>
+                                  <p:childTnLst>
+                                    <p:set>
+                                      <p:cBhvr>
+                                        <p:cTn id="14" dur="1" fill="hold">
+                                          <p:stCondLst>
+                                            <p:cond delay="0"/>
+                                          </p:stCondLst>
+                                        </p:cTn>
+                                        <p:tgtEl>
+                                          <p:spTgt spid="3">
+                                            <p:txEl>
+                                              <p:pRg st="2" end="2"/>
+                                            </p:txEl>
+                                          </p:spTgt>
+                                        </p:tgtEl>
+                                        <p:attrNameLst>
+                                          <p:attrName>style.visibility</p:attrName>
+                                        </p:attrNameLst>
+                                      </p:cBhvr>
+                                      <p:to>
+                                        <p:strVal val="visible"/>
+                                      </p:to>
+                                    </p:set>
+                                  </p:childTnLst>
+                                </p:cTn>
+                              </p:par>
+                            </p:childTnLst>
+                          </p:cTn>
+                        </p:par>
+                      </p:childTnLst>
+                    </p:cTn>
+                  </p:par>
+                  <p:par>
+                    <p:cTn id="15" fill="hold">
+                      <p:stCondLst>
+                        <p:cond delay="indefinite"/>
+                      </p:stCondLst>
+                      <p:childTnLst>
+                        <p:par>
+                          <p:cTn id="16" fill="hold">
+                            <p:stCondLst>
+                              <p:cond delay="0"/>
+                            </p:stCondLst>
+                            <p:childTnLst>
+                              <p:par>
+                                <p:cTn id="17" presetID="1" presetClass="entr" presetSubtype="0" fill="hold" nodeType="clickEffect">
+                                  <p:stCondLst>
+                                    <p:cond delay="0"/>
+                                  </p:stCondLst>
+                                  <p:childTnLst>
+                                    <p:set>
+                                      <p:cBhvr>
+                                        <p:cTn id="18" dur="1" fill="hold">
+                                          <p:stCondLst>
+                                            <p:cond delay="0"/>
+                                          </p:stCondLst>
+                                        </p:cTn>
+                                        <p:tgtEl>
+                                          <p:spTgt spid="3">
+                                            <p:txEl>
+                                              <p:pRg st="3" end="3"/>
+                                            </p:txEl>
+                                          </p:spTgt>
+                                        </p:tgtEl>
+                                        <p:attrNameLst>
+                                          <p:attrName>style.visibility</p:attrName>
+                                        </p:attrNameLst>
+                                      </p:cBhvr>
+                                      <p:to>
+                                        <p:strVal val="visible"/>
+                                      </p:to>
+                                    </p:set>
+                                  </p:childTnLst>
+                                </p:cTn>
+                              </p:par>
+                            </p:childTnLst>
+                          </p:cTn>
+                        </p:par>
+                      </p:childTnLst>
+                    </p:cTn>
+                  </p:par>
+                  <p:par>
+                    <p:cTn id="19" fill="hold">
+                      <p:stCondLst>
+                        <p:cond delay="indefinite"/>
+                      </p:stCondLst>
+                      <p:childTnLst>
+                        <p:par>
+                          <p:cTn id="20" fill="hold">
+                            <p:stCondLst>
+                              <p:cond delay="0"/>
+                            </p:stCondLst>
+                            <p:childTnLst>
+                              <p:par>
+                                <p:cTn id="21" presetID="1" presetClass="entr" presetSubtype="0" fill="hold" nodeType="clickEffect">
+                                  <p:stCondLst>
+                                    <p:cond delay="0"/>
+                                  </p:stCondLst>
+                                  <p:childTnLst>
+                                    <p:set>
+                                      <p:cBhvr>
+                                        <p:cTn id="22" dur="1" fill="hold">
+                                          <p:stCondLst>
+                                            <p:cond delay="0"/>
+                                          </p:stCondLst>
+                                        </p:cTn>
+                                        <p:tgtEl>
+                                          <p:spTgt spid="3">
+                                            <p:txEl>
+                                              <p:pRg st="4" end="4"/>
+                                            </p:txEl>
+                                          </p:spTgt>
+                                        </p:tgtEl>
+                                        <p:attrNameLst>
+                                          <p:attrName>style.visibility</p:attrName>
+                                        </p:attrNameLst>
+                                      </p:cBhvr>
+                                      <p:to>
+                                        <p:strVal val="visible"/>
+                                      </p:to>
+                                    </p:set>
+                                  </p:childTnLst>
+                                </p:cTn>
+                              </p:par>
+                            </p:childTnLst>
+                          </p:cTn>
+                        </p:par>
+                      </p:childTnLst>
+                    </p:cTn>
+                  </p:par>
+                  <p:par>
+                    <p:cTn id="23" fill="hold">
+                      <p:stCondLst>
+                        <p:cond delay="indefinite"/>
+                      </p:stCondLst>
+                      <p:childTnLst>
+                        <p:par>
+                          <p:cTn id="24" fill="hold">
+                            <p:stCondLst>
+                              <p:cond delay="0"/>
+                            </p:stCondLst>
+                            <p:childTnLst>
+                              <p:par>
+                                <p:cTn id="25" presetID="1" presetClass="entr" presetSubtype="0" fill="hold" nodeType="clickEffect">
+                                  <p:stCondLst>
+                                    <p:cond delay="0"/>
+                                  </p:stCondLst>
+                                  <p:childTnLst>
+                                    <p:set>
+                                      <p:cBhvr>
+                                        <p:cTn id="26" dur="1" fill="hold">
+                                          <p:stCondLst>
+                                            <p:cond delay="0"/>
+                                          </p:stCondLst>
+                                        </p:cTn>
+                                        <p:tgtEl>
+                                          <p:spTgt spid="3">
+                                            <p:txEl>
+                                              <p:pRg st="5" end="5"/>
+                                            </p:txEl>
+                                          </p:spTgt>
+                                        </p:tgtEl>
+                                        <p:attrNameLst>
+                                          <p:attrName>style.visibility</p:attrName>
+                                        </p:attrNameLst>
+                                      </p:cBhvr>
+                                      <p:to>
+                                        <p:strVal val="visible"/>
+                                      </p:to>
+                                    </p:set>
+                                  </p:childTnLst>
+                                </p:cTn>
+                              </p:par>
+                            </p:childTnLst>
+                          </p:cTn>
+                        </p:par>
+                      </p:childTnLst>
+                    </p:cTn>
+                  </p:par>
+                  <p:par>
+                    <p:cTn id="27" fill="hold">
+                      <p:stCondLst>
+                        <p:cond delay="indefinite"/>
+                      </p:stCondLst>
+                      <p:childTnLst>
+                        <p:par>
+                          <p:cTn id="28" fill="hold">
+                            <p:stCondLst>
+                              <p:cond delay="0"/>
+                            </p:stCondLst>
+                            <p:childTnLst>
+                              <p:par>
+                                <p:cTn id="29" presetID="1" presetClass="entr" presetSubtype="0" fill="hold" nodeType="clickEffect">
+                                  <p:stCondLst>
+                                    <p:cond delay="0"/>
+                                  </p:stCondLst>
+                                  <p:childTnLst>
+                                    <p:set>
+                                      <p:cBhvr>
+                                        <p:cTn id="30" dur="1" fill="hold">
+                                          <p:stCondLst>
+                                            <p:cond delay="0"/>
+                                          </p:stCondLst>
+                                        </p:cTn>
+                                        <p:tgtEl>
+                                          <p:spTgt spid="3">
+                                            <p:txEl>
+                                              <p:pRg st="6" end="6"/>
+                                            </p:txEl>
+                                          </p:spTgt>
+                                        </p:tgtEl>
+                                        <p:attrNameLst>
+                                          <p:attrName>style.visibility</p:attrName>
+                                        </p:attrNameLst>
+                                      </p:cBhvr>
+                                      <p:to>
+                                        <p:strVal val="visible"/>
+                                      </p:to>
+                                    </p:set>
+                                  </p:childTnLst>
+                                </p:cTn>
+                              </p:par>
+                            </p:childTnLst>
+                          </p:cTn>
+                        </p:par>
+                      </p:childTnLst>
+                    </p:cTn>
+                  </p:par>
+                  <p:par>
+                    <p:cTn id="31" fill="hold">
+                      <p:stCondLst>
+                        <p:cond delay="indefinite"/>
+                      </p:stCondLst>
+                      <p:childTnLst>
+                        <p:par>
+                          <p:cTn id="32" fill="hold">
+                            <p:stCondLst>
+                              <p:cond delay="0"/>
+                            </p:stCondLst>
+                            <p:childTnLst>
+                              <p:par>
+                                <p:cTn id="33" presetID="1" presetClass="entr" presetSubtype="0" fill="hold" nodeType="clickEffect">
+                                  <p:stCondLst>
+                                    <p:cond delay="0"/>
+                                  </p:stCondLst>
+                                  <p:childTnLst>
+                                    <p:set>
+                                      <p:cBhvr>
+                                        <p:cTn id="34" dur="1" fill="hold">
+                                          <p:stCondLst>
+                                            <p:cond delay="0"/>
+                                          </p:stCondLst>
+                                        </p:cTn>
+                                        <p:tgtEl>
+                                          <p:spTgt spid="3">
+                                            <p:txEl>
+                                              <p:pRg st="7" end="7"/>
+                                            </p:txEl>
+                                          </p:spTgt>
+                                        </p:tgtEl>
+                                        <p:attrNameLst>
+                                          <p:attrName>style.visibility</p:attrName>
+                                        </p:attrNameLst>
+                                      </p:cBhvr>
+                                      <p:to>
+                                        <p:strVal val="visible"/>
+                                      </p:to>
+                                    </p:set>
+                                  </p:childTnLst>
+                                </p:cTn>
+                              </p:par>
+                            </p:childTnLst>
+                          </p:cTn>
+                        </p:par>
+                      </p:childTnLst>
+                    </p:cTn>
+                  </p:par>
+                  <p:par>
+                    <p:cTn id="35" fill="hold">
+                      <p:stCondLst>
+                        <p:cond delay="indefinite"/>
+                      </p:stCondLst>
+                      <p:childTnLst>
+                        <p:par>
+                          <p:cTn id="36" fill="hold">
+                            <p:stCondLst>
+                              <p:cond delay="0"/>
+                            </p:stCondLst>
+                            <p:childTnLst>
+                              <p:par>
+                                <p:cTn id="37" presetID="1" presetClass="entr" presetSubtype="0" fill="hold" nodeType="clickEffect">
+                                  <p:stCondLst>
+                                    <p:cond delay="0"/>
+                                  </p:stCondLst>
+                                  <p:childTnLst>
+                                    <p:set>
+                                      <p:cBhvr>
+                                        <p:cTn id="38" dur="1" fill="hold">
+                                          <p:stCondLst>
+                                            <p:cond delay="0"/>
+                                          </p:stCondLst>
+                                        </p:cTn>
+                                        <p:tgtEl>
+                                          <p:spTgt spid="3">
+                                            <p:txEl>
+                                              <p:pRg st="8" end="8"/>
+                                            </p:txEl>
+                                          </p:spTgt>
+                                        </p:tgtEl>
+                                        <p:attrNameLst>
+                                          <p:attrName>style.visibility</p:attrName>
+                                        </p:attrNameLst>
+                                      </p:cBhvr>
+                                      <p:to>
+                                        <p:strVal val="visible"/>
+                                      </p:to>
+                                    </p:set>
+                                  </p:childTnLst>
+                                </p:cTn>
+                              </p:par>
+                            </p:childTnLst>
+                          </p:cTn>
+                        </p:par>
+                      </p:childTnLst>
+                    </p:cTn>
+                  </p:par>
+                </p:childTnLst>
+              </p:cTn>
+              <p:prevCondLst>
+                <p:cond evt="onPrev" delay="0">
+                  <p:tgtEl>
+                    <p:sldTgt/>
+                  </p:tgtEl>
+                </p:cond>
+              </p:prevCondLst>
+              <p:nextCondLst>
+                <p:cond evt="onNext" delay="0">
+                  <p:tgtEl>
+                    <p:sldTgt/>
+                  </p:tgtEl>
+                </p:cond>
+              </p:nextCondLst>
+            </p:seq>
+          </p:childTnLst>
+        </p:cTn>
+      </p:par>
+    </p:tnLst>
+  </p:timing>
+</p:sld>
+</file>
+
+<file path=ppt/slides/slide20.xml><?xml version="1.0" encoding="utf-8"?>
 <p:sld xmlns:a="http://schemas.openxmlformats.org/drawingml/2006/main" xmlns:r="http://schemas.openxmlformats.org/officeDocument/2006/relationships" xmlns:p="http://schemas.openxmlformats.org/presentationml/2006/main">
   <p:cSld>
     <p:spTree>
@@ -12870,658 +14263,7 @@
 </p:sld>
 </file>
 
-<file path=ppt/slides/slide2.xml><?xml version="1.0" encoding="utf-8"?>
-<p:sld xmlns:a="http://schemas.openxmlformats.org/drawingml/2006/main" xmlns:r="http://schemas.openxmlformats.org/officeDocument/2006/relationships" xmlns:p="http://schemas.openxmlformats.org/presentationml/2006/main">
-  <p:cSld>
-    <p:spTree>
-      <p:nvGrpSpPr>
-        <p:cNvPr id="1" name=""/>
-        <p:cNvGrpSpPr/>
-        <p:nvPr/>
-      </p:nvGrpSpPr>
-      <p:grpSpPr>
-        <a:xfrm>
-          <a:off x="0" y="0"/>
-          <a:ext cx="0" cy="0"/>
-          <a:chOff x="0" y="0"/>
-          <a:chExt cx="0" cy="0"/>
-        </a:xfrm>
-      </p:grpSpPr>
-      <p:sp>
-        <p:nvSpPr>
-          <p:cNvPr id="3" name="Content Placeholder 2">
-            <a:extLst>
-              <a:ext uri="{FF2B5EF4-FFF2-40B4-BE49-F238E27FC236}">
-                <a16:creationId xmlns:a16="http://schemas.microsoft.com/office/drawing/2014/main" id="{258E6AF3-7615-4BD1-878E-A94C93E98F90}"/>
-              </a:ext>
-            </a:extLst>
-          </p:cNvPr>
-          <p:cNvSpPr>
-            <a:spLocks noGrp="1"/>
-          </p:cNvSpPr>
-          <p:nvPr>
-            <p:ph idx="1"/>
-          </p:nvPr>
-        </p:nvSpPr>
-        <p:spPr>
-          <a:xfrm>
-            <a:off x="784412" y="1324928"/>
-            <a:ext cx="10515600" cy="4958516"/>
-          </a:xfrm>
-        </p:spPr>
-        <p:txBody>
-          <a:bodyPr/>
-          <a:lstStyle/>
-          <a:p>
-            <a:pPr marL="0" indent="0">
-              <a:buNone/>
-            </a:pPr>
-            <a:r>
-              <a:rPr lang="en-US" sz="3200" dirty="0"/>
-              <a:t>Are analytics always computed in batch   </a:t>
-            </a:r>
-            <a:endParaRPr lang="en-US" sz="3200" b="1" dirty="0"/>
-          </a:p>
-          <a:p>
-            <a:r>
-              <a:rPr lang="en-US" dirty="0"/>
-              <a:t>No!    </a:t>
-            </a:r>
-          </a:p>
-          <a:p>
-            <a:r>
-              <a:rPr lang="en-US" dirty="0"/>
-              <a:t>Data often arrives in </a:t>
-            </a:r>
-            <a:r>
-              <a:rPr lang="en-US" b="1" dirty="0"/>
-              <a:t>streams   </a:t>
-            </a:r>
-          </a:p>
-          <a:p>
-            <a:pPr lvl="1"/>
-            <a:r>
-              <a:rPr lang="en-US" dirty="0"/>
-              <a:t>Sensor data    </a:t>
-            </a:r>
-          </a:p>
-          <a:p>
-            <a:pPr lvl="1"/>
-            <a:r>
-              <a:rPr lang="en-US" dirty="0"/>
-              <a:t>Capital markets data  </a:t>
-            </a:r>
-          </a:p>
-          <a:p>
-            <a:pPr lvl="1"/>
-            <a:r>
-              <a:rPr lang="en-US" dirty="0"/>
-              <a:t>E-commerce purchases  </a:t>
-            </a:r>
-          </a:p>
-          <a:p>
-            <a:pPr lvl="1"/>
-            <a:r>
-              <a:rPr lang="en-US" dirty="0"/>
-              <a:t>Logistics </a:t>
-            </a:r>
-          </a:p>
-          <a:p>
-            <a:pPr lvl="1"/>
-            <a:r>
-              <a:rPr lang="en-US" dirty="0"/>
-              <a:t>Etc.</a:t>
-            </a:r>
-          </a:p>
-          <a:p>
-            <a:r>
-              <a:rPr lang="en-US" dirty="0"/>
-              <a:t>Analytics must be updated as data samples arrives  </a:t>
-            </a:r>
-          </a:p>
-        </p:txBody>
-      </p:sp>
-      <p:sp>
-        <p:nvSpPr>
-          <p:cNvPr id="6" name="Title 1">
-            <a:extLst>
-              <a:ext uri="{FF2B5EF4-FFF2-40B4-BE49-F238E27FC236}">
-                <a16:creationId xmlns:a16="http://schemas.microsoft.com/office/drawing/2014/main" id="{CD29F70F-B868-451B-A65D-8721F4C7A2D9}"/>
-              </a:ext>
-            </a:extLst>
-          </p:cNvPr>
-          <p:cNvSpPr txBox="1">
-            <a:spLocks/>
-          </p:cNvSpPr>
-          <p:nvPr/>
-        </p:nvSpPr>
-        <p:spPr>
-          <a:xfrm>
-            <a:off x="838200" y="-635"/>
-            <a:ext cx="10515600" cy="1325563"/>
-          </a:xfrm>
-          <a:prstGeom prst="rect">
-            <a:avLst/>
-          </a:prstGeom>
-        </p:spPr>
-        <p:txBody>
-          <a:bodyPr vert="horz" lIns="91440" tIns="45720" rIns="91440" bIns="45720" rtlCol="0" anchor="ctr">
-            <a:normAutofit/>
-          </a:bodyPr>
-          <a:lstStyle>
-            <a:lvl1pPr algn="l" defTabSz="914400" rtl="0" eaLnBrk="1" latinLnBrk="0" hangingPunct="1">
-              <a:lnSpc>
-                <a:spcPct val="90000"/>
-              </a:lnSpc>
-              <a:spcBef>
-                <a:spcPct val="0"/>
-              </a:spcBef>
-              <a:buNone/>
-              <a:defRPr sz="4400" kern="1200">
-                <a:solidFill>
-                  <a:schemeClr val="tx1"/>
-                </a:solidFill>
-                <a:latin typeface="+mj-lt"/>
-                <a:ea typeface="+mj-ea"/>
-                <a:cs typeface="+mj-cs"/>
-              </a:defRPr>
-            </a:lvl1pPr>
-          </a:lstStyle>
-          <a:p>
-            <a:r>
-              <a:rPr lang="en-US" dirty="0">
-                <a:latin typeface="+mn-lt"/>
-              </a:rPr>
-              <a:t>Streaming Analytics</a:t>
-            </a:r>
-          </a:p>
-        </p:txBody>
-      </p:sp>
-    </p:spTree>
-    <p:extLst>
-      <p:ext uri="{BB962C8B-B14F-4D97-AF65-F5344CB8AC3E}">
-        <p14:creationId xmlns:p14="http://schemas.microsoft.com/office/powerpoint/2010/main" val="115420158"/>
-      </p:ext>
-    </p:extLst>
-  </p:cSld>
-  <p:clrMapOvr>
-    <a:masterClrMapping/>
-  </p:clrMapOvr>
-  <p:timing>
-    <p:tnLst>
-      <p:par>
-        <p:cTn id="1" dur="indefinite" restart="never" nodeType="tmRoot">
-          <p:childTnLst>
-            <p:seq concurrent="1" nextAc="seek">
-              <p:cTn id="2" dur="indefinite" nodeType="mainSeq">
-                <p:childTnLst>
-                  <p:par>
-                    <p:cTn id="3" fill="hold">
-                      <p:stCondLst>
-                        <p:cond delay="indefinite"/>
-                      </p:stCondLst>
-                      <p:childTnLst>
-                        <p:par>
-                          <p:cTn id="4" fill="hold">
-                            <p:stCondLst>
-                              <p:cond delay="0"/>
-                            </p:stCondLst>
-                            <p:childTnLst>
-                              <p:par>
-                                <p:cTn id="5" presetID="1" presetClass="entr" presetSubtype="0" fill="hold" nodeType="clickEffect">
-                                  <p:stCondLst>
-                                    <p:cond delay="0"/>
-                                  </p:stCondLst>
-                                  <p:childTnLst>
-                                    <p:set>
-                                      <p:cBhvr>
-                                        <p:cTn id="6" dur="1" fill="hold">
-                                          <p:stCondLst>
-                                            <p:cond delay="0"/>
-                                          </p:stCondLst>
-                                        </p:cTn>
-                                        <p:tgtEl>
-                                          <p:spTgt spid="3">
-                                            <p:txEl>
-                                              <p:pRg st="0" end="0"/>
-                                            </p:txEl>
-                                          </p:spTgt>
-                                        </p:tgtEl>
-                                        <p:attrNameLst>
-                                          <p:attrName>style.visibility</p:attrName>
-                                        </p:attrNameLst>
-                                      </p:cBhvr>
-                                      <p:to>
-                                        <p:strVal val="visible"/>
-                                      </p:to>
-                                    </p:set>
-                                  </p:childTnLst>
-                                </p:cTn>
-                              </p:par>
-                            </p:childTnLst>
-                          </p:cTn>
-                        </p:par>
-                      </p:childTnLst>
-                    </p:cTn>
-                  </p:par>
-                  <p:par>
-                    <p:cTn id="7" fill="hold">
-                      <p:stCondLst>
-                        <p:cond delay="indefinite"/>
-                      </p:stCondLst>
-                      <p:childTnLst>
-                        <p:par>
-                          <p:cTn id="8" fill="hold">
-                            <p:stCondLst>
-                              <p:cond delay="0"/>
-                            </p:stCondLst>
-                            <p:childTnLst>
-                              <p:par>
-                                <p:cTn id="9" presetID="1" presetClass="entr" presetSubtype="0" fill="hold" nodeType="clickEffect">
-                                  <p:stCondLst>
-                                    <p:cond delay="0"/>
-                                  </p:stCondLst>
-                                  <p:childTnLst>
-                                    <p:set>
-                                      <p:cBhvr>
-                                        <p:cTn id="10" dur="1" fill="hold">
-                                          <p:stCondLst>
-                                            <p:cond delay="0"/>
-                                          </p:stCondLst>
-                                        </p:cTn>
-                                        <p:tgtEl>
-                                          <p:spTgt spid="3">
-                                            <p:txEl>
-                                              <p:pRg st="1" end="1"/>
-                                            </p:txEl>
-                                          </p:spTgt>
-                                        </p:tgtEl>
-                                        <p:attrNameLst>
-                                          <p:attrName>style.visibility</p:attrName>
-                                        </p:attrNameLst>
-                                      </p:cBhvr>
-                                      <p:to>
-                                        <p:strVal val="visible"/>
-                                      </p:to>
-                                    </p:set>
-                                  </p:childTnLst>
-                                </p:cTn>
-                              </p:par>
-                            </p:childTnLst>
-                          </p:cTn>
-                        </p:par>
-                      </p:childTnLst>
-                    </p:cTn>
-                  </p:par>
-                  <p:par>
-                    <p:cTn id="11" fill="hold">
-                      <p:stCondLst>
-                        <p:cond delay="indefinite"/>
-                      </p:stCondLst>
-                      <p:childTnLst>
-                        <p:par>
-                          <p:cTn id="12" fill="hold">
-                            <p:stCondLst>
-                              <p:cond delay="0"/>
-                            </p:stCondLst>
-                            <p:childTnLst>
-                              <p:par>
-                                <p:cTn id="13" presetID="1" presetClass="entr" presetSubtype="0" fill="hold" nodeType="clickEffect">
-                                  <p:stCondLst>
-                                    <p:cond delay="0"/>
-                                  </p:stCondLst>
-                                  <p:childTnLst>
-                                    <p:set>
-                                      <p:cBhvr>
-                                        <p:cTn id="14" dur="1" fill="hold">
-                                          <p:stCondLst>
-                                            <p:cond delay="0"/>
-                                          </p:stCondLst>
-                                        </p:cTn>
-                                        <p:tgtEl>
-                                          <p:spTgt spid="3">
-                                            <p:txEl>
-                                              <p:pRg st="2" end="2"/>
-                                            </p:txEl>
-                                          </p:spTgt>
-                                        </p:tgtEl>
-                                        <p:attrNameLst>
-                                          <p:attrName>style.visibility</p:attrName>
-                                        </p:attrNameLst>
-                                      </p:cBhvr>
-                                      <p:to>
-                                        <p:strVal val="visible"/>
-                                      </p:to>
-                                    </p:set>
-                                  </p:childTnLst>
-                                </p:cTn>
-                              </p:par>
-                            </p:childTnLst>
-                          </p:cTn>
-                        </p:par>
-                      </p:childTnLst>
-                    </p:cTn>
-                  </p:par>
-                  <p:par>
-                    <p:cTn id="15" fill="hold">
-                      <p:stCondLst>
-                        <p:cond delay="indefinite"/>
-                      </p:stCondLst>
-                      <p:childTnLst>
-                        <p:par>
-                          <p:cTn id="16" fill="hold">
-                            <p:stCondLst>
-                              <p:cond delay="0"/>
-                            </p:stCondLst>
-                            <p:childTnLst>
-                              <p:par>
-                                <p:cTn id="17" presetID="1" presetClass="entr" presetSubtype="0" fill="hold" nodeType="clickEffect">
-                                  <p:stCondLst>
-                                    <p:cond delay="0"/>
-                                  </p:stCondLst>
-                                  <p:childTnLst>
-                                    <p:set>
-                                      <p:cBhvr>
-                                        <p:cTn id="18" dur="1" fill="hold">
-                                          <p:stCondLst>
-                                            <p:cond delay="0"/>
-                                          </p:stCondLst>
-                                        </p:cTn>
-                                        <p:tgtEl>
-                                          <p:spTgt spid="3">
-                                            <p:txEl>
-                                              <p:pRg st="3" end="3"/>
-                                            </p:txEl>
-                                          </p:spTgt>
-                                        </p:tgtEl>
-                                        <p:attrNameLst>
-                                          <p:attrName>style.visibility</p:attrName>
-                                        </p:attrNameLst>
-                                      </p:cBhvr>
-                                      <p:to>
-                                        <p:strVal val="visible"/>
-                                      </p:to>
-                                    </p:set>
-                                  </p:childTnLst>
-                                </p:cTn>
-                              </p:par>
-                            </p:childTnLst>
-                          </p:cTn>
-                        </p:par>
-                      </p:childTnLst>
-                    </p:cTn>
-                  </p:par>
-                  <p:par>
-                    <p:cTn id="19" fill="hold">
-                      <p:stCondLst>
-                        <p:cond delay="indefinite"/>
-                      </p:stCondLst>
-                      <p:childTnLst>
-                        <p:par>
-                          <p:cTn id="20" fill="hold">
-                            <p:stCondLst>
-                              <p:cond delay="0"/>
-                            </p:stCondLst>
-                            <p:childTnLst>
-                              <p:par>
-                                <p:cTn id="21" presetID="1" presetClass="entr" presetSubtype="0" fill="hold" nodeType="clickEffect">
-                                  <p:stCondLst>
-                                    <p:cond delay="0"/>
-                                  </p:stCondLst>
-                                  <p:childTnLst>
-                                    <p:set>
-                                      <p:cBhvr>
-                                        <p:cTn id="22" dur="1" fill="hold">
-                                          <p:stCondLst>
-                                            <p:cond delay="0"/>
-                                          </p:stCondLst>
-                                        </p:cTn>
-                                        <p:tgtEl>
-                                          <p:spTgt spid="3">
-                                            <p:txEl>
-                                              <p:pRg st="4" end="4"/>
-                                            </p:txEl>
-                                          </p:spTgt>
-                                        </p:tgtEl>
-                                        <p:attrNameLst>
-                                          <p:attrName>style.visibility</p:attrName>
-                                        </p:attrNameLst>
-                                      </p:cBhvr>
-                                      <p:to>
-                                        <p:strVal val="visible"/>
-                                      </p:to>
-                                    </p:set>
-                                  </p:childTnLst>
-                                </p:cTn>
-                              </p:par>
-                            </p:childTnLst>
-                          </p:cTn>
-                        </p:par>
-                      </p:childTnLst>
-                    </p:cTn>
-                  </p:par>
-                  <p:par>
-                    <p:cTn id="23" fill="hold">
-                      <p:stCondLst>
-                        <p:cond delay="indefinite"/>
-                      </p:stCondLst>
-                      <p:childTnLst>
-                        <p:par>
-                          <p:cTn id="24" fill="hold">
-                            <p:stCondLst>
-                              <p:cond delay="0"/>
-                            </p:stCondLst>
-                            <p:childTnLst>
-                              <p:par>
-                                <p:cTn id="25" presetID="1" presetClass="entr" presetSubtype="0" fill="hold" nodeType="clickEffect">
-                                  <p:stCondLst>
-                                    <p:cond delay="0"/>
-                                  </p:stCondLst>
-                                  <p:childTnLst>
-                                    <p:set>
-                                      <p:cBhvr>
-                                        <p:cTn id="26" dur="1" fill="hold">
-                                          <p:stCondLst>
-                                            <p:cond delay="0"/>
-                                          </p:stCondLst>
-                                        </p:cTn>
-                                        <p:tgtEl>
-                                          <p:spTgt spid="3">
-                                            <p:txEl>
-                                              <p:pRg st="5" end="5"/>
-                                            </p:txEl>
-                                          </p:spTgt>
-                                        </p:tgtEl>
-                                        <p:attrNameLst>
-                                          <p:attrName>style.visibility</p:attrName>
-                                        </p:attrNameLst>
-                                      </p:cBhvr>
-                                      <p:to>
-                                        <p:strVal val="visible"/>
-                                      </p:to>
-                                    </p:set>
-                                  </p:childTnLst>
-                                </p:cTn>
-                              </p:par>
-                            </p:childTnLst>
-                          </p:cTn>
-                        </p:par>
-                      </p:childTnLst>
-                    </p:cTn>
-                  </p:par>
-                  <p:par>
-                    <p:cTn id="27" fill="hold">
-                      <p:stCondLst>
-                        <p:cond delay="indefinite"/>
-                      </p:stCondLst>
-                      <p:childTnLst>
-                        <p:par>
-                          <p:cTn id="28" fill="hold">
-                            <p:stCondLst>
-                              <p:cond delay="0"/>
-                            </p:stCondLst>
-                            <p:childTnLst>
-                              <p:par>
-                                <p:cTn id="29" presetID="1" presetClass="entr" presetSubtype="0" fill="hold" nodeType="clickEffect">
-                                  <p:stCondLst>
-                                    <p:cond delay="0"/>
-                                  </p:stCondLst>
-                                  <p:childTnLst>
-                                    <p:set>
-                                      <p:cBhvr>
-                                        <p:cTn id="30" dur="1" fill="hold">
-                                          <p:stCondLst>
-                                            <p:cond delay="0"/>
-                                          </p:stCondLst>
-                                        </p:cTn>
-                                        <p:tgtEl>
-                                          <p:spTgt spid="3">
-                                            <p:txEl>
-                                              <p:pRg st="6" end="6"/>
-                                            </p:txEl>
-                                          </p:spTgt>
-                                        </p:tgtEl>
-                                        <p:attrNameLst>
-                                          <p:attrName>style.visibility</p:attrName>
-                                        </p:attrNameLst>
-                                      </p:cBhvr>
-                                      <p:to>
-                                        <p:strVal val="visible"/>
-                                      </p:to>
-                                    </p:set>
-                                  </p:childTnLst>
-                                </p:cTn>
-                              </p:par>
-                            </p:childTnLst>
-                          </p:cTn>
-                        </p:par>
-                      </p:childTnLst>
-                    </p:cTn>
-                  </p:par>
-                  <p:par>
-                    <p:cTn id="31" fill="hold">
-                      <p:stCondLst>
-                        <p:cond delay="indefinite"/>
-                      </p:stCondLst>
-                      <p:childTnLst>
-                        <p:par>
-                          <p:cTn id="32" fill="hold">
-                            <p:stCondLst>
-                              <p:cond delay="0"/>
-                            </p:stCondLst>
-                            <p:childTnLst>
-                              <p:par>
-                                <p:cTn id="33" presetID="1" presetClass="entr" presetSubtype="0" fill="hold" nodeType="clickEffect">
-                                  <p:stCondLst>
-                                    <p:cond delay="0"/>
-                                  </p:stCondLst>
-                                  <p:childTnLst>
-                                    <p:set>
-                                      <p:cBhvr>
-                                        <p:cTn id="34" dur="1" fill="hold">
-                                          <p:stCondLst>
-                                            <p:cond delay="0"/>
-                                          </p:stCondLst>
-                                        </p:cTn>
-                                        <p:tgtEl>
-                                          <p:spTgt spid="3">
-                                            <p:txEl>
-                                              <p:pRg st="7" end="7"/>
-                                            </p:txEl>
-                                          </p:spTgt>
-                                        </p:tgtEl>
-                                        <p:attrNameLst>
-                                          <p:attrName>style.visibility</p:attrName>
-                                        </p:attrNameLst>
-                                      </p:cBhvr>
-                                      <p:to>
-                                        <p:strVal val="visible"/>
-                                      </p:to>
-                                    </p:set>
-                                  </p:childTnLst>
-                                </p:cTn>
-                              </p:par>
-                            </p:childTnLst>
-                          </p:cTn>
-                        </p:par>
-                      </p:childTnLst>
-                    </p:cTn>
-                  </p:par>
-                  <p:par>
-                    <p:cTn id="35" fill="hold">
-                      <p:stCondLst>
-                        <p:cond delay="indefinite"/>
-                      </p:stCondLst>
-                      <p:childTnLst>
-                        <p:par>
-                          <p:cTn id="36" fill="hold">
-                            <p:stCondLst>
-                              <p:cond delay="0"/>
-                            </p:stCondLst>
-                            <p:childTnLst>
-                              <p:par>
-                                <p:cTn id="37" presetID="1" presetClass="entr" presetSubtype="0" fill="hold" nodeType="clickEffect">
-                                  <p:stCondLst>
-                                    <p:cond delay="0"/>
-                                  </p:stCondLst>
-                                  <p:childTnLst>
-                                    <p:set>
-                                      <p:cBhvr>
-                                        <p:cTn id="38" dur="1" fill="hold">
-                                          <p:stCondLst>
-                                            <p:cond delay="0"/>
-                                          </p:stCondLst>
-                                        </p:cTn>
-                                        <p:tgtEl>
-                                          <p:spTgt spid="3">
-                                            <p:txEl>
-                                              <p:pRg st="8" end="8"/>
-                                            </p:txEl>
-                                          </p:spTgt>
-                                        </p:tgtEl>
-                                        <p:attrNameLst>
-                                          <p:attrName>style.visibility</p:attrName>
-                                        </p:attrNameLst>
-                                      </p:cBhvr>
-                                      <p:to>
-                                        <p:strVal val="visible"/>
-                                      </p:to>
-                                    </p:set>
-                                  </p:childTnLst>
-                                </p:cTn>
-                              </p:par>
-                            </p:childTnLst>
-                          </p:cTn>
-                        </p:par>
-                      </p:childTnLst>
-                    </p:cTn>
-                  </p:par>
-                </p:childTnLst>
-              </p:cTn>
-              <p:prevCondLst>
-                <p:cond evt="onPrev" delay="0">
-                  <p:tgtEl>
-                    <p:sldTgt/>
-                  </p:tgtEl>
-                </p:cond>
-              </p:prevCondLst>
-              <p:nextCondLst>
-                <p:cond evt="onNext" delay="0">
-                  <p:tgtEl>
-                    <p:sldTgt/>
-                  </p:tgtEl>
-                </p:cond>
-              </p:nextCondLst>
-            </p:seq>
-          </p:childTnLst>
-        </p:cTn>
-      </p:par>
-    </p:tnLst>
-  </p:timing>
-</p:sld>
-</file>
-
-<file path=ppt/slides/slide20.xml><?xml version="1.0" encoding="utf-8"?>
+<file path=ppt/slides/slide21.xml><?xml version="1.0" encoding="utf-8"?>
 <p:sld xmlns:a="http://schemas.openxmlformats.org/drawingml/2006/main" xmlns:r="http://schemas.openxmlformats.org/officeDocument/2006/relationships" xmlns:p="http://schemas.openxmlformats.org/presentationml/2006/main">
   <p:cSld>
     <p:spTree>
@@ -14013,7 +14755,7 @@
 </p:sld>
 </file>
 
-<file path=ppt/slides/slide21.xml><?xml version="1.0" encoding="utf-8"?>
+<file path=ppt/slides/slide22.xml><?xml version="1.0" encoding="utf-8"?>
 <p:sld xmlns:a="http://schemas.openxmlformats.org/drawingml/2006/main" xmlns:r="http://schemas.openxmlformats.org/officeDocument/2006/relationships" xmlns:p="http://schemas.openxmlformats.org/presentationml/2006/main">
   <p:cSld>
     <p:spTree>
@@ -14735,7 +15477,7 @@
 </p:sld>
 </file>
 
-<file path=ppt/slides/slide22.xml><?xml version="1.0" encoding="utf-8"?>
+<file path=ppt/slides/slide23.xml><?xml version="1.0" encoding="utf-8"?>
 <p:sld xmlns:a="http://schemas.openxmlformats.org/drawingml/2006/main" xmlns:r="http://schemas.openxmlformats.org/officeDocument/2006/relationships" xmlns:p="http://schemas.openxmlformats.org/presentationml/2006/main">
   <p:cSld>
     <p:spTree>

--- a/slides/4_StreamingAnalytics.pptx
+++ b/slides/4_StreamingAnalytics.pptx
@@ -219,7 +219,7 @@
           <a:p>
             <a:fld id="{2F3ABF1A-8818-4472-8518-E71DC7B5D2F7}" type="datetimeFigureOut">
               <a:rPr lang="en-US" smtClean="0"/>
-              <a:t>6/10/2021</a:t>
+              <a:t>6/23/2021</a:t>
             </a:fld>
             <a:endParaRPr lang="en-US"/>
           </a:p>
@@ -633,7 +633,7 @@
           <a:p>
             <a:fld id="{6E4A31BF-7266-4BEB-918B-ADC21C630A6F}" type="datetimeFigureOut">
               <a:rPr lang="en-US" smtClean="0"/>
-              <a:t>6/10/2021</a:t>
+              <a:t>6/23/2021</a:t>
             </a:fld>
             <a:endParaRPr lang="en-US"/>
           </a:p>
@@ -831,7 +831,7 @@
           <a:p>
             <a:fld id="{6E4A31BF-7266-4BEB-918B-ADC21C630A6F}" type="datetimeFigureOut">
               <a:rPr lang="en-US" smtClean="0"/>
-              <a:t>6/10/2021</a:t>
+              <a:t>6/23/2021</a:t>
             </a:fld>
             <a:endParaRPr lang="en-US"/>
           </a:p>
@@ -1039,7 +1039,7 @@
           <a:p>
             <a:fld id="{6E4A31BF-7266-4BEB-918B-ADC21C630A6F}" type="datetimeFigureOut">
               <a:rPr lang="en-US" smtClean="0"/>
-              <a:t>6/10/2021</a:t>
+              <a:t>6/23/2021</a:t>
             </a:fld>
             <a:endParaRPr lang="en-US"/>
           </a:p>
@@ -1237,7 +1237,7 @@
           <a:p>
             <a:fld id="{6E4A31BF-7266-4BEB-918B-ADC21C630A6F}" type="datetimeFigureOut">
               <a:rPr lang="en-US" smtClean="0"/>
-              <a:t>6/10/2021</a:t>
+              <a:t>6/23/2021</a:t>
             </a:fld>
             <a:endParaRPr lang="en-US"/>
           </a:p>
@@ -1512,7 +1512,7 @@
           <a:p>
             <a:fld id="{6E4A31BF-7266-4BEB-918B-ADC21C630A6F}" type="datetimeFigureOut">
               <a:rPr lang="en-US" smtClean="0"/>
-              <a:t>6/10/2021</a:t>
+              <a:t>6/23/2021</a:t>
             </a:fld>
             <a:endParaRPr lang="en-US"/>
           </a:p>
@@ -1777,7 +1777,7 @@
           <a:p>
             <a:fld id="{6E4A31BF-7266-4BEB-918B-ADC21C630A6F}" type="datetimeFigureOut">
               <a:rPr lang="en-US" smtClean="0"/>
-              <a:t>6/10/2021</a:t>
+              <a:t>6/23/2021</a:t>
             </a:fld>
             <a:endParaRPr lang="en-US"/>
           </a:p>
@@ -2189,7 +2189,7 @@
           <a:p>
             <a:fld id="{6E4A31BF-7266-4BEB-918B-ADC21C630A6F}" type="datetimeFigureOut">
               <a:rPr lang="en-US" smtClean="0"/>
-              <a:t>6/10/2021</a:t>
+              <a:t>6/23/2021</a:t>
             </a:fld>
             <a:endParaRPr lang="en-US"/>
           </a:p>
@@ -2330,7 +2330,7 @@
           <a:p>
             <a:fld id="{6E4A31BF-7266-4BEB-918B-ADC21C630A6F}" type="datetimeFigureOut">
               <a:rPr lang="en-US" smtClean="0"/>
-              <a:t>6/10/2021</a:t>
+              <a:t>6/23/2021</a:t>
             </a:fld>
             <a:endParaRPr lang="en-US"/>
           </a:p>
@@ -2443,7 +2443,7 @@
           <a:p>
             <a:fld id="{6E4A31BF-7266-4BEB-918B-ADC21C630A6F}" type="datetimeFigureOut">
               <a:rPr lang="en-US" smtClean="0"/>
-              <a:t>6/10/2021</a:t>
+              <a:t>6/23/2021</a:t>
             </a:fld>
             <a:endParaRPr lang="en-US"/>
           </a:p>
@@ -2754,7 +2754,7 @@
           <a:p>
             <a:fld id="{6E4A31BF-7266-4BEB-918B-ADC21C630A6F}" type="datetimeFigureOut">
               <a:rPr lang="en-US" smtClean="0"/>
-              <a:t>6/10/2021</a:t>
+              <a:t>6/23/2021</a:t>
             </a:fld>
             <a:endParaRPr lang="en-US"/>
           </a:p>
@@ -3042,7 +3042,7 @@
           <a:p>
             <a:fld id="{6E4A31BF-7266-4BEB-918B-ADC21C630A6F}" type="datetimeFigureOut">
               <a:rPr lang="en-US" smtClean="0"/>
-              <a:t>6/10/2021</a:t>
+              <a:t>6/23/2021</a:t>
             </a:fld>
             <a:endParaRPr lang="en-US"/>
           </a:p>
@@ -3283,7 +3283,7 @@
           <a:p>
             <a:fld id="{6E4A31BF-7266-4BEB-918B-ADC21C630A6F}" type="datetimeFigureOut">
               <a:rPr lang="en-US" smtClean="0"/>
-              <a:t>6/10/2021</a:t>
+              <a:t>6/23/2021</a:t>
             </a:fld>
             <a:endParaRPr lang="en-US"/>
           </a:p>
@@ -12123,8 +12123,13 @@
             <a:pPr lvl="1"/>
             <a:r>
               <a:rPr lang="en-US" dirty="0"/>
-              <a:t>Sensor data    </a:t>
-            </a:r>
+              <a:t>Sensor data – </a:t>
+            </a:r>
+            <a:r>
+              <a:rPr lang="en-US"/>
+              <a:t>many applications    </a:t>
+            </a:r>
+            <a:endParaRPr lang="en-US" dirty="0"/>
           </a:p>
           <a:p>
             <a:pPr lvl="1"/>
